--- a/PPT slides/02 EDABDC - Data Models - part 2.pptx
+++ b/PPT slides/02 EDABDC - Data Models - part 2.pptx
@@ -32,17 +32,20 @@
     <p:sldId id="481" r:id="rId25"/>
     <p:sldId id="482" r:id="rId26"/>
     <p:sldId id="483" r:id="rId27"/>
-    <p:sldId id="485" r:id="rId28"/>
-    <p:sldId id="484" r:id="rId29"/>
-    <p:sldId id="486" r:id="rId30"/>
-    <p:sldId id="492" r:id="rId31"/>
-    <p:sldId id="488" r:id="rId32"/>
-    <p:sldId id="487" r:id="rId33"/>
-    <p:sldId id="489" r:id="rId34"/>
-    <p:sldId id="490" r:id="rId35"/>
-    <p:sldId id="491" r:id="rId36"/>
-    <p:sldId id="494" r:id="rId37"/>
-    <p:sldId id="264" r:id="rId38"/>
+    <p:sldId id="534" r:id="rId28"/>
+    <p:sldId id="485" r:id="rId29"/>
+    <p:sldId id="484" r:id="rId30"/>
+    <p:sldId id="486" r:id="rId31"/>
+    <p:sldId id="492" r:id="rId32"/>
+    <p:sldId id="488" r:id="rId33"/>
+    <p:sldId id="487" r:id="rId34"/>
+    <p:sldId id="489" r:id="rId35"/>
+    <p:sldId id="490" r:id="rId36"/>
+    <p:sldId id="491" r:id="rId37"/>
+    <p:sldId id="494" r:id="rId38"/>
+    <p:sldId id="535" r:id="rId39"/>
+    <p:sldId id="536" r:id="rId40"/>
+    <p:sldId id="264" r:id="rId41"/>
   </p:sldIdLst>
   <p:sldSz cx="12192000" cy="6858000"/>
   <p:notesSz cx="6858000" cy="9144000"/>
@@ -5787,69 +5790,38 @@
           <a:p>
             <a:r>
               <a:rPr lang="en-US"/>
-              <a:t>Common data models</a:t>
-            </a:r>
-            <a:endParaRPr lang="en-US"/>
-          </a:p>
-        </p:txBody>
-      </p:sp>
-      <p:sp>
-        <p:nvSpPr>
-          <p:cNvPr id="3" name="Content Placeholder 2"/>
-          <p:cNvSpPr>
-            <a:spLocks noGrp="1"/>
-          </p:cNvSpPr>
-          <p:nvPr>
-            <p:ph idx="1"/>
-          </p:nvPr>
-        </p:nvSpPr>
-        <p:spPr/>
-        <p:txBody>
-          <a:bodyPr/>
-          <a:p>
-            <a:r>
-              <a:rPr lang="en-US"/>
-              <a:t>Hierarchical Data Model </a:t>
-            </a:r>
-            <a:endParaRPr lang="en-US"/>
-          </a:p>
-          <a:p>
-            <a:r>
-              <a:rPr lang="en-US"/>
-              <a:t>Relational Data Model</a:t>
-            </a:r>
-            <a:endParaRPr lang="en-US"/>
-          </a:p>
-          <a:p>
-            <a:r>
-              <a:rPr lang="en-US"/>
-              <a:t>Document Data Model</a:t>
-            </a:r>
-            <a:endParaRPr lang="en-US"/>
-          </a:p>
-          <a:p>
-            <a:r>
-              <a:rPr lang="en-US"/>
-              <a:t>Key-Value Data Model</a:t>
-            </a:r>
-            <a:endParaRPr lang="en-US"/>
-          </a:p>
-          <a:p>
-            <a:r>
-              <a:rPr lang="en-US" b="1"/>
-              <a:t>Graph Data Model</a:t>
-            </a:r>
-            <a:endParaRPr lang="en-US" b="1"/>
-          </a:p>
-          <a:p>
-            <a:r>
-              <a:rPr lang="en-US"/>
-              <a:t>Multi-Model Databases</a:t>
-            </a:r>
-            <a:endParaRPr lang="en-US"/>
-          </a:p>
-        </p:txBody>
-      </p:sp>
+              <a:t>Questions </a:t>
+            </a:r>
+            <a:endParaRPr lang="en-US"/>
+          </a:p>
+        </p:txBody>
+      </p:sp>
+      <p:pic>
+        <p:nvPicPr>
+          <p:cNvPr id="100" name="Picture 99"/>
+          <p:cNvPicPr/>
+          <p:nvPr/>
+        </p:nvPicPr>
+        <p:blipFill>
+          <a:blip r:embed="rId1"/>
+          <a:stretch>
+            <a:fillRect/>
+          </a:stretch>
+        </p:blipFill>
+        <p:spPr>
+          <a:xfrm>
+            <a:off x="3168015" y="1355725"/>
+            <a:ext cx="7316470" cy="4617720"/>
+          </a:xfrm>
+          <a:prstGeom prst="rect">
+            <a:avLst/>
+          </a:prstGeom>
+          <a:noFill/>
+          <a:ln w="9525">
+            <a:noFill/>
+          </a:ln>
+        </p:spPr>
+      </p:pic>
     </p:spTree>
   </p:cSld>
   <p:clrMapOvr>
@@ -5884,7 +5856,7 @@
           <a:p>
             <a:r>
               <a:rPr lang="en-US"/>
-              <a:t>Graph data model </a:t>
+              <a:t>Common data models</a:t>
             </a:r>
             <a:endParaRPr lang="en-US"/>
           </a:p>
@@ -5906,14 +5878,42 @@
           <a:p>
             <a:r>
               <a:rPr lang="en-US"/>
-              <a:t>Designed to represent and manage highly interconnected data, making it ideal for applications involving complex relationships. </a:t>
-            </a:r>
-            <a:endParaRPr lang="en-US"/>
-          </a:p>
-          <a:p>
-            <a:r>
-              <a:rPr lang="en-US"/>
-              <a:t>Structures data as nodes, edges, and properties, enabling the modeling of real-world entities and their interconnections intuitively and efficiently</a:t>
+              <a:t>Hierarchical Data Model </a:t>
+            </a:r>
+            <a:endParaRPr lang="en-US"/>
+          </a:p>
+          <a:p>
+            <a:r>
+              <a:rPr lang="en-US"/>
+              <a:t>Relational Data Model</a:t>
+            </a:r>
+            <a:endParaRPr lang="en-US"/>
+          </a:p>
+          <a:p>
+            <a:r>
+              <a:rPr lang="en-US"/>
+              <a:t>Document Data Model</a:t>
+            </a:r>
+            <a:endParaRPr lang="en-US"/>
+          </a:p>
+          <a:p>
+            <a:r>
+              <a:rPr lang="en-US"/>
+              <a:t>Key-Value Data Model</a:t>
+            </a:r>
+            <a:endParaRPr lang="en-US"/>
+          </a:p>
+          <a:p>
+            <a:r>
+              <a:rPr lang="en-US" b="1"/>
+              <a:t>Graph Data Model</a:t>
+            </a:r>
+            <a:endParaRPr lang="en-US" b="1"/>
+          </a:p>
+          <a:p>
+            <a:r>
+              <a:rPr lang="en-US"/>
+              <a:t>Multi-Model Databases</a:t>
             </a:r>
             <a:endParaRPr lang="en-US"/>
           </a:p>
@@ -5953,7 +5953,7 @@
           <a:p>
             <a:r>
               <a:rPr lang="en-US"/>
-              <a:t>Key Concepts</a:t>
+              <a:t>Graph data model </a:t>
             </a:r>
             <a:endParaRPr lang="en-US"/>
           </a:p>
@@ -5971,99 +5971,18 @@
         </p:nvSpPr>
         <p:spPr/>
         <p:txBody>
-          <a:bodyPr>
-            <a:normAutofit fontScale="70000"/>
-          </a:bodyPr>
-          <a:p>
-            <a:r>
-              <a:rPr lang="en-US"/>
-              <a:t>Nodes (Vertices):</a:t>
-            </a:r>
-            <a:endParaRPr lang="en-US"/>
-          </a:p>
-          <a:p>
-            <a:pPr lvl="1"/>
-            <a:r>
-              <a:rPr lang="en-US"/>
-              <a:t>Represent entities or objects in the graph.</a:t>
-            </a:r>
-            <a:endParaRPr lang="en-US"/>
-          </a:p>
-          <a:p>
-            <a:pPr lvl="1"/>
-            <a:r>
-              <a:rPr lang="en-US"/>
-              <a:t>Each node can have properties, which are key-value pairs that store information about the node.</a:t>
-            </a:r>
-            <a:endParaRPr lang="en-US"/>
-          </a:p>
-          <a:p>
-            <a:pPr lvl="1"/>
-            <a:r>
-              <a:rPr lang="en-US"/>
-              <a:t>Example: In a social network, nodes can represent users.</a:t>
-            </a:r>
-            <a:endParaRPr lang="en-US"/>
-          </a:p>
-          <a:p>
-            <a:r>
-              <a:rPr lang="en-US"/>
-              <a:t>Edges (Relationships):</a:t>
-            </a:r>
-            <a:endParaRPr lang="en-US"/>
-          </a:p>
-          <a:p>
-            <a:pPr lvl="1"/>
-            <a:r>
-              <a:rPr lang="en-US"/>
-              <a:t>Represent the connections or relationships between nodes.</a:t>
-            </a:r>
-            <a:endParaRPr lang="en-US"/>
-          </a:p>
-          <a:p>
-            <a:pPr lvl="1"/>
-            <a:r>
-              <a:rPr lang="en-US"/>
-              <a:t>Each edge can also have properties, storing information about the relationship.</a:t>
-            </a:r>
-            <a:endParaRPr lang="en-US"/>
-          </a:p>
-          <a:p>
-            <a:pPr lvl="1"/>
-            <a:r>
-              <a:rPr lang="en-US"/>
-              <a:t>Edges are usually directed (have a start and end node) but can also be undirected.</a:t>
-            </a:r>
-            <a:endParaRPr lang="en-US"/>
-          </a:p>
-          <a:p>
-            <a:pPr lvl="1"/>
-            <a:r>
-              <a:rPr lang="en-US"/>
-              <a:t>Example: In a social network, edges can represent friendships or following relationships.</a:t>
-            </a:r>
-            <a:endParaRPr lang="en-US"/>
-          </a:p>
-          <a:p>
-            <a:r>
-              <a:rPr lang="en-US"/>
-              <a:t>Properties:</a:t>
-            </a:r>
-            <a:endParaRPr lang="en-US"/>
-          </a:p>
-          <a:p>
-            <a:pPr lvl="1"/>
-            <a:r>
-              <a:rPr lang="en-US"/>
-              <a:t>Attributes or metadata associated with nodes and edges.</a:t>
-            </a:r>
-            <a:endParaRPr lang="en-US"/>
-          </a:p>
-          <a:p>
-            <a:pPr lvl="1"/>
-            <a:r>
-              <a:rPr lang="en-US"/>
-              <a:t>Example: A user node might have properties like name, age, and email, while a friendship edge might have properties like start date and relationship type.</a:t>
+          <a:bodyPr/>
+          <a:p>
+            <a:r>
+              <a:rPr lang="en-US"/>
+              <a:t>Designed to represent and manage highly interconnected data, making it ideal for applications involving complex relationships. </a:t>
+            </a:r>
+            <a:endParaRPr lang="en-US"/>
+          </a:p>
+          <a:p>
+            <a:r>
+              <a:rPr lang="en-US"/>
+              <a:t>Structures data as nodes, edges, and properties, enabling the modeling of real-world entities and their interconnections intuitively and efficiently</a:t>
             </a:r>
             <a:endParaRPr lang="en-US"/>
           </a:p>
@@ -6078,6 +5997,156 @@
 </file>
 
 <file path=ppt/slides/slide28.xml><?xml version="1.0" encoding="utf-8"?>
+<p:sld xmlns:a="http://schemas.openxmlformats.org/drawingml/2006/main" xmlns:r="http://schemas.openxmlformats.org/officeDocument/2006/relationships" xmlns:p="http://schemas.openxmlformats.org/presentationml/2006/main">
+  <p:cSld>
+    <p:spTree>
+      <p:nvGrpSpPr>
+        <p:cNvPr id="1" name=""/>
+        <p:cNvGrpSpPr/>
+        <p:nvPr/>
+      </p:nvGrpSpPr>
+      <p:grpSpPr/>
+      <p:sp>
+        <p:nvSpPr>
+          <p:cNvPr id="2" name="Title 1"/>
+          <p:cNvSpPr>
+            <a:spLocks noGrp="1"/>
+          </p:cNvSpPr>
+          <p:nvPr>
+            <p:ph type="title"/>
+          </p:nvPr>
+        </p:nvSpPr>
+        <p:spPr/>
+        <p:txBody>
+          <a:bodyPr/>
+          <a:p>
+            <a:r>
+              <a:rPr lang="en-US"/>
+              <a:t>Key Concepts</a:t>
+            </a:r>
+            <a:endParaRPr lang="en-US"/>
+          </a:p>
+        </p:txBody>
+      </p:sp>
+      <p:sp>
+        <p:nvSpPr>
+          <p:cNvPr id="3" name="Content Placeholder 2"/>
+          <p:cNvSpPr>
+            <a:spLocks noGrp="1"/>
+          </p:cNvSpPr>
+          <p:nvPr>
+            <p:ph idx="1"/>
+          </p:nvPr>
+        </p:nvSpPr>
+        <p:spPr/>
+        <p:txBody>
+          <a:bodyPr>
+            <a:normAutofit fontScale="70000"/>
+          </a:bodyPr>
+          <a:p>
+            <a:r>
+              <a:rPr lang="en-US"/>
+              <a:t>Nodes (Vertices):</a:t>
+            </a:r>
+            <a:endParaRPr lang="en-US"/>
+          </a:p>
+          <a:p>
+            <a:pPr lvl="1"/>
+            <a:r>
+              <a:rPr lang="en-US"/>
+              <a:t>Represent entities or objects in the graph.</a:t>
+            </a:r>
+            <a:endParaRPr lang="en-US"/>
+          </a:p>
+          <a:p>
+            <a:pPr lvl="1"/>
+            <a:r>
+              <a:rPr lang="en-US"/>
+              <a:t>Each node can have properties, which are key-value pairs that store information about the node.</a:t>
+            </a:r>
+            <a:endParaRPr lang="en-US"/>
+          </a:p>
+          <a:p>
+            <a:pPr lvl="1"/>
+            <a:r>
+              <a:rPr lang="en-US"/>
+              <a:t>Example: In a social network, nodes can represent users.</a:t>
+            </a:r>
+            <a:endParaRPr lang="en-US"/>
+          </a:p>
+          <a:p>
+            <a:r>
+              <a:rPr lang="en-US"/>
+              <a:t>Edges (Relationships):</a:t>
+            </a:r>
+            <a:endParaRPr lang="en-US"/>
+          </a:p>
+          <a:p>
+            <a:pPr lvl="1"/>
+            <a:r>
+              <a:rPr lang="en-US"/>
+              <a:t>Represent the connections or relationships between nodes.</a:t>
+            </a:r>
+            <a:endParaRPr lang="en-US"/>
+          </a:p>
+          <a:p>
+            <a:pPr lvl="1"/>
+            <a:r>
+              <a:rPr lang="en-US"/>
+              <a:t>Each edge can also have properties, storing information about the relationship.</a:t>
+            </a:r>
+            <a:endParaRPr lang="en-US"/>
+          </a:p>
+          <a:p>
+            <a:pPr lvl="1"/>
+            <a:r>
+              <a:rPr lang="en-US"/>
+              <a:t>Edges are usually directed (have a start and end node) but can also be undirected.</a:t>
+            </a:r>
+            <a:endParaRPr lang="en-US"/>
+          </a:p>
+          <a:p>
+            <a:pPr lvl="1"/>
+            <a:r>
+              <a:rPr lang="en-US"/>
+              <a:t>Example: In a social network, edges can represent friendships or following relationships.</a:t>
+            </a:r>
+            <a:endParaRPr lang="en-US"/>
+          </a:p>
+          <a:p>
+            <a:r>
+              <a:rPr lang="en-US"/>
+              <a:t>Properties:</a:t>
+            </a:r>
+            <a:endParaRPr lang="en-US"/>
+          </a:p>
+          <a:p>
+            <a:pPr lvl="1"/>
+            <a:r>
+              <a:rPr lang="en-US"/>
+              <a:t>Attributes or metadata associated with nodes and edges.</a:t>
+            </a:r>
+            <a:endParaRPr lang="en-US"/>
+          </a:p>
+          <a:p>
+            <a:pPr lvl="1"/>
+            <a:r>
+              <a:rPr lang="en-US"/>
+              <a:t>Example: A user node might have properties like name, age, and email, while a friendship edge might have properties like start date and relationship type.</a:t>
+            </a:r>
+            <a:endParaRPr lang="en-US"/>
+          </a:p>
+        </p:txBody>
+      </p:sp>
+    </p:spTree>
+  </p:cSld>
+  <p:clrMapOvr>
+    <a:masterClrMapping/>
+  </p:clrMapOvr>
+</p:sld>
+</file>
+
+<file path=ppt/slides/slide29.xml><?xml version="1.0" encoding="utf-8"?>
 <p:sld xmlns:a="http://schemas.openxmlformats.org/drawingml/2006/main" xmlns:r="http://schemas.openxmlformats.org/officeDocument/2006/relationships" xmlns:p="http://schemas.openxmlformats.org/presentationml/2006/main">
   <p:cSld>
     <p:spTree>
@@ -6161,125 +6230,6 @@
               <a:t>A graph database stores nodes (Supplier, Product, etc) and their relationships (e.g. Supplier SUPPLIES Product).</a:t>
             </a:r>
             <a:endParaRPr lang="en-US" sz="2400"/>
-          </a:p>
-        </p:txBody>
-      </p:sp>
-    </p:spTree>
-  </p:cSld>
-  <p:clrMapOvr>
-    <a:masterClrMapping/>
-  </p:clrMapOvr>
-</p:sld>
-</file>
-
-<file path=ppt/slides/slide29.xml><?xml version="1.0" encoding="utf-8"?>
-<p:sld xmlns:a="http://schemas.openxmlformats.org/drawingml/2006/main" xmlns:r="http://schemas.openxmlformats.org/officeDocument/2006/relationships" xmlns:p="http://schemas.openxmlformats.org/presentationml/2006/main">
-  <p:cSld>
-    <p:spTree>
-      <p:nvGrpSpPr>
-        <p:cNvPr id="1" name=""/>
-        <p:cNvGrpSpPr/>
-        <p:nvPr/>
-      </p:nvGrpSpPr>
-      <p:grpSpPr/>
-      <p:sp>
-        <p:nvSpPr>
-          <p:cNvPr id="2" name="Title 1"/>
-          <p:cNvSpPr>
-            <a:spLocks noGrp="1"/>
-          </p:cNvSpPr>
-          <p:nvPr>
-            <p:ph type="title"/>
-          </p:nvPr>
-        </p:nvSpPr>
-        <p:spPr/>
-        <p:txBody>
-          <a:bodyPr/>
-          <a:p>
-            <a:r>
-              <a:rPr lang="en-US"/>
-              <a:t>Graph Data Structures</a:t>
-            </a:r>
-            <a:endParaRPr lang="en-US"/>
-          </a:p>
-        </p:txBody>
-      </p:sp>
-      <p:sp>
-        <p:nvSpPr>
-          <p:cNvPr id="3" name="Content Placeholder 2"/>
-          <p:cNvSpPr>
-            <a:spLocks noGrp="1"/>
-          </p:cNvSpPr>
-          <p:nvPr>
-            <p:ph idx="1"/>
-          </p:nvPr>
-        </p:nvSpPr>
-        <p:spPr/>
-        <p:txBody>
-          <a:bodyPr>
-            <a:normAutofit/>
-          </a:bodyPr>
-          <a:p>
-            <a:r>
-              <a:rPr lang="en-US"/>
-              <a:t>Property Graph Model:</a:t>
-            </a:r>
-            <a:endParaRPr lang="en-US"/>
-          </a:p>
-          <a:p>
-            <a:pPr lvl="1"/>
-            <a:r>
-              <a:rPr lang="en-US"/>
-              <a:t>The most common graph data model.</a:t>
-            </a:r>
-            <a:endParaRPr lang="en-US"/>
-          </a:p>
-          <a:p>
-            <a:pPr lvl="1"/>
-            <a:r>
-              <a:rPr lang="en-US"/>
-              <a:t>Nodes and edges can have any number of properties.</a:t>
-            </a:r>
-            <a:endParaRPr lang="en-US"/>
-          </a:p>
-          <a:p>
-            <a:pPr lvl="1"/>
-            <a:r>
-              <a:rPr lang="en-US"/>
-              <a:t>Example: Neo4j uses the property graph model.</a:t>
-            </a:r>
-            <a:endParaRPr lang="en-US"/>
-          </a:p>
-          <a:p>
-            <a:r>
-              <a:rPr lang="en-US"/>
-              <a:t>RDF (Resource Description Framework) Model:</a:t>
-            </a:r>
-            <a:endParaRPr lang="en-US"/>
-          </a:p>
-          <a:p>
-            <a:pPr lvl="1"/>
-            <a:r>
-              <a:rPr lang="en-US"/>
-              <a:t>Uses triples to represent data, consisting of subject, predicate, and object.</a:t>
-            </a:r>
-            <a:endParaRPr lang="en-US"/>
-          </a:p>
-          <a:p>
-            <a:pPr lvl="1"/>
-            <a:r>
-              <a:rPr lang="en-US"/>
-              <a:t>Often used for semantic web and linked data applications.</a:t>
-            </a:r>
-            <a:endParaRPr lang="en-US"/>
-          </a:p>
-          <a:p>
-            <a:pPr lvl="1"/>
-            <a:r>
-              <a:rPr lang="en-US"/>
-              <a:t>Example: Apache Jena and RDF4J.</a:t>
-            </a:r>
-            <a:endParaRPr lang="en-US"/>
           </a:p>
         </p:txBody>
       </p:sp>
@@ -6423,88 +6373,6 @@
                         <a:t>Tools</a:t>
                       </a:r>
                       <a:endParaRPr lang="en-US"/>
-                    </a:p>
-                  </a:txBody>
-                  <a:tcPr/>
-                </a:tc>
-              </a:tr>
-              <a:tr h="920115">
-                <a:tc>
-                  <a:txBody>
-                    <a:bodyPr/>
-                    <a:p>
-                      <a:pPr>
-                        <a:buNone/>
-                      </a:pPr>
-                      <a:r>
-                        <a:rPr lang="en-US"/>
-                        <a:t>Column-Family Data Model</a:t>
-                      </a:r>
-                      <a:endParaRPr lang="en-US"/>
-                    </a:p>
-                  </a:txBody>
-                  <a:tcPr/>
-                </a:tc>
-                <a:tc>
-                  <a:txBody>
-                    <a:bodyPr/>
-                    <a:p>
-                      <a:pPr>
-                        <a:buNone/>
-                      </a:pPr>
-                      <a:r>
-                        <a:rPr lang="en-US"/>
-                        <a:t>Columns grouped into families</a:t>
-                      </a:r>
-                      <a:endParaRPr lang="en-US"/>
-                    </a:p>
-                  </a:txBody>
-                  <a:tcPr/>
-                </a:tc>
-                <a:tc>
-                  <a:txBody>
-                    <a:bodyPr/>
-                    <a:p>
-                      <a:pPr>
-                        <a:buNone/>
-                      </a:pPr>
-                      <a:r>
-                        <a:rPr lang="en-US"/>
-                        <a:t>Optimized read/write operations</a:t>
-                      </a:r>
-                      <a:endParaRPr lang="en-US"/>
-                    </a:p>
-                  </a:txBody>
-                  <a:tcPr/>
-                </a:tc>
-                <a:tc>
-                  <a:txBody>
-                    <a:bodyPr/>
-                    <a:p>
-                      <a:pPr>
-                        <a:buNone/>
-                      </a:pPr>
-                      <a:r>
-                        <a:rPr lang="en-US"/>
-                        <a:t>Time-series data, big data applications</a:t>
-                      </a:r>
-                      <a:endParaRPr lang="en-US"/>
-                    </a:p>
-                  </a:txBody>
-                  <a:tcPr/>
-                </a:tc>
-                <a:tc>
-                  <a:txBody>
-                    <a:bodyPr/>
-                    <a:p>
-                      <a:pPr>
-                        <a:buNone/>
-                      </a:pPr>
-                      <a:r>
-                        <a:rPr lang="en-US" b="0"/>
-                        <a:t>Cassandra, HBase</a:t>
-                      </a:r>
-                      <a:endParaRPr lang="en-US" b="0"/>
                     </a:p>
                   </a:txBody>
                   <a:tcPr/>
@@ -6712,7 +6580,7 @@
           <a:p>
             <a:r>
               <a:rPr lang="en-US"/>
-              <a:t>Graph data model Advantages</a:t>
+              <a:t>Graph Data Structures</a:t>
             </a:r>
             <a:endParaRPr lang="en-US"/>
           </a:p>
@@ -6731,74 +6599,67 @@
         <p:spPr/>
         <p:txBody>
           <a:bodyPr>
-            <a:normAutofit fontScale="90000"/>
+            <a:normAutofit/>
           </a:bodyPr>
           <a:p>
             <a:r>
               <a:rPr lang="en-US"/>
-              <a:t>Flexibility:</a:t>
-            </a:r>
-            <a:endParaRPr lang="en-US"/>
-          </a:p>
-          <a:p>
-            <a:pPr lvl="1"/>
-            <a:r>
-              <a:rPr lang="en-US"/>
-              <a:t>Schema-less nature allows for easy modifications and extensions of the graph structure.</a:t>
-            </a:r>
-            <a:endParaRPr lang="en-US"/>
-          </a:p>
-          <a:p>
-            <a:pPr lvl="1"/>
-            <a:r>
-              <a:rPr lang="en-US"/>
-              <a:t>Suitable for semi-structured and evolving data.</a:t>
-            </a:r>
-            <a:endParaRPr lang="en-US"/>
-          </a:p>
-          <a:p>
-            <a:r>
-              <a:rPr lang="en-US"/>
-              <a:t>Expressiveness:</a:t>
-            </a:r>
-            <a:endParaRPr lang="en-US"/>
-          </a:p>
-          <a:p>
-            <a:pPr lvl="1"/>
-            <a:r>
-              <a:rPr lang="en-US"/>
-              <a:t>Natural way to represent relationships and connections.</a:t>
-            </a:r>
-            <a:endParaRPr lang="en-US"/>
-          </a:p>
-          <a:p>
-            <a:pPr lvl="1"/>
-            <a:r>
-              <a:rPr lang="en-US"/>
-              <a:t>Enables complex queries involving traversals and pattern matching.</a:t>
-            </a:r>
-            <a:endParaRPr lang="en-US"/>
-          </a:p>
-          <a:p>
-            <a:r>
-              <a:rPr lang="en-US"/>
-              <a:t>Performance:</a:t>
-            </a:r>
-            <a:endParaRPr lang="en-US"/>
-          </a:p>
-          <a:p>
-            <a:pPr lvl="1"/>
-            <a:r>
-              <a:rPr lang="en-US"/>
-              <a:t>Efficient for querying and traversing deep and complex relationships.</a:t>
-            </a:r>
-            <a:endParaRPr lang="en-US"/>
-          </a:p>
-          <a:p>
-            <a:pPr lvl="1"/>
-            <a:r>
-              <a:rPr lang="en-US"/>
-              <a:t>Optimized for graph operations like shortest path, neighborhood search, and subgraph matching.</a:t>
+              <a:t>Property Graph Model:</a:t>
+            </a:r>
+            <a:endParaRPr lang="en-US"/>
+          </a:p>
+          <a:p>
+            <a:pPr lvl="1"/>
+            <a:r>
+              <a:rPr lang="en-US"/>
+              <a:t>The most common graph data model.</a:t>
+            </a:r>
+            <a:endParaRPr lang="en-US"/>
+          </a:p>
+          <a:p>
+            <a:pPr lvl="1"/>
+            <a:r>
+              <a:rPr lang="en-US"/>
+              <a:t>Nodes and edges can have any number of properties.</a:t>
+            </a:r>
+            <a:endParaRPr lang="en-US"/>
+          </a:p>
+          <a:p>
+            <a:pPr lvl="1"/>
+            <a:r>
+              <a:rPr lang="en-US"/>
+              <a:t>Example: Neo4j uses the property graph model.</a:t>
+            </a:r>
+            <a:endParaRPr lang="en-US"/>
+          </a:p>
+          <a:p>
+            <a:r>
+              <a:rPr lang="en-US"/>
+              <a:t>RDF (Resource Description Framework) Model:</a:t>
+            </a:r>
+            <a:endParaRPr lang="en-US"/>
+          </a:p>
+          <a:p>
+            <a:pPr lvl="1"/>
+            <a:r>
+              <a:rPr lang="en-US"/>
+              <a:t>Uses triples to represent data, consisting of subject, predicate, and object.</a:t>
+            </a:r>
+            <a:endParaRPr lang="en-US"/>
+          </a:p>
+          <a:p>
+            <a:pPr lvl="1"/>
+            <a:r>
+              <a:rPr lang="en-US"/>
+              <a:t>Often used for semantic web and linked data applications.</a:t>
+            </a:r>
+            <a:endParaRPr lang="en-US"/>
+          </a:p>
+          <a:p>
+            <a:pPr lvl="1"/>
+            <a:r>
+              <a:rPr lang="en-US"/>
+              <a:t>Example: Apache Jena and RDF4J.</a:t>
             </a:r>
             <a:endParaRPr lang="en-US"/>
           </a:p>
@@ -6838,7 +6699,7 @@
           <a:p>
             <a:r>
               <a:rPr lang="en-US"/>
-              <a:t>Disadvantages</a:t>
+              <a:t>Graph data model Advantages</a:t>
             </a:r>
             <a:endParaRPr lang="en-US"/>
           </a:p>
@@ -6856,42 +6717,75 @@
         </p:nvSpPr>
         <p:spPr/>
         <p:txBody>
-          <a:bodyPr/>
-          <a:p>
-            <a:r>
-              <a:rPr lang="en-US"/>
-              <a:t>Complexity:</a:t>
-            </a:r>
-            <a:endParaRPr lang="en-US"/>
-          </a:p>
-          <a:p>
-            <a:pPr lvl="1"/>
-            <a:r>
-              <a:rPr lang="en-US"/>
-              <a:t>Can become complex to manage and visualize as the graph grows in size and density.</a:t>
-            </a:r>
-            <a:endParaRPr lang="en-US"/>
-          </a:p>
-          <a:p>
-            <a:pPr lvl="1"/>
-            <a:r>
-              <a:rPr lang="en-US"/>
-              <a:t>Requires specialized knowledge for effective use and optimization.</a:t>
-            </a:r>
-            <a:endParaRPr lang="en-US"/>
-          </a:p>
-          <a:p>
-            <a:r>
-              <a:rPr lang="en-US"/>
-              <a:t>Scalability:</a:t>
-            </a:r>
-            <a:endParaRPr lang="en-US"/>
-          </a:p>
-          <a:p>
-            <a:pPr lvl="1"/>
-            <a:r>
-              <a:rPr lang="en-US"/>
-              <a:t>While some graph databases scale horizontally, handling very large graphs can be challenging compared to simpler data models.</a:t>
+          <a:bodyPr>
+            <a:normAutofit fontScale="90000"/>
+          </a:bodyPr>
+          <a:p>
+            <a:r>
+              <a:rPr lang="en-US"/>
+              <a:t>Flexibility:</a:t>
+            </a:r>
+            <a:endParaRPr lang="en-US"/>
+          </a:p>
+          <a:p>
+            <a:pPr lvl="1"/>
+            <a:r>
+              <a:rPr lang="en-US"/>
+              <a:t>Schema-less nature allows for easy modifications and extensions of the graph structure.</a:t>
+            </a:r>
+            <a:endParaRPr lang="en-US"/>
+          </a:p>
+          <a:p>
+            <a:pPr lvl="1"/>
+            <a:r>
+              <a:rPr lang="en-US"/>
+              <a:t>Suitable for semi-structured and evolving data.</a:t>
+            </a:r>
+            <a:endParaRPr lang="en-US"/>
+          </a:p>
+          <a:p>
+            <a:r>
+              <a:rPr lang="en-US"/>
+              <a:t>Expressiveness:</a:t>
+            </a:r>
+            <a:endParaRPr lang="en-US"/>
+          </a:p>
+          <a:p>
+            <a:pPr lvl="1"/>
+            <a:r>
+              <a:rPr lang="en-US"/>
+              <a:t>Natural way to represent relationships and connections.</a:t>
+            </a:r>
+            <a:endParaRPr lang="en-US"/>
+          </a:p>
+          <a:p>
+            <a:pPr lvl="1"/>
+            <a:r>
+              <a:rPr lang="en-US"/>
+              <a:t>Enables complex queries involving traversals and pattern matching.</a:t>
+            </a:r>
+            <a:endParaRPr lang="en-US"/>
+          </a:p>
+          <a:p>
+            <a:r>
+              <a:rPr lang="en-US"/>
+              <a:t>Performance:</a:t>
+            </a:r>
+            <a:endParaRPr lang="en-US"/>
+          </a:p>
+          <a:p>
+            <a:pPr lvl="1"/>
+            <a:r>
+              <a:rPr lang="en-US"/>
+              <a:t>Efficient for querying and traversing deep and complex relationships.</a:t>
+            </a:r>
+            <a:endParaRPr lang="en-US"/>
+          </a:p>
+          <a:p>
+            <a:pPr lvl="1"/>
+            <a:r>
+              <a:rPr lang="en-US"/>
+              <a:t>Optimized for graph operations like shortest path, neighborhood search, and subgraph matching.</a:t>
             </a:r>
             <a:endParaRPr lang="en-US"/>
           </a:p>
@@ -6931,7 +6825,7 @@
           <a:p>
             <a:r>
               <a:rPr lang="en-US"/>
-              <a:t>Graph data model use cases </a:t>
+              <a:t>Disadvantages</a:t>
             </a:r>
             <a:endParaRPr lang="en-US"/>
           </a:p>
@@ -6949,82 +6843,43 @@
         </p:nvSpPr>
         <p:spPr/>
         <p:txBody>
-          <a:bodyPr>
-            <a:normAutofit fontScale="85000"/>
-          </a:bodyPr>
-          <a:p>
-            <a:r>
-              <a:rPr lang="en-US"/>
-              <a:t>Social Networks:</a:t>
-            </a:r>
-            <a:endParaRPr lang="en-US"/>
-          </a:p>
-          <a:p>
-            <a:pPr lvl="1"/>
-            <a:r>
-              <a:rPr lang="en-US"/>
-              <a:t>Modeling users and their relationships (friendships, follows, likes).</a:t>
-            </a:r>
-            <a:endParaRPr lang="en-US"/>
-          </a:p>
-          <a:p>
-            <a:pPr lvl="1"/>
-            <a:r>
-              <a:rPr lang="en-US"/>
-              <a:t>Example: Finding friends of friends, recommending new connections.</a:t>
-            </a:r>
-            <a:endParaRPr lang="en-US"/>
-          </a:p>
-          <a:p>
-            <a:r>
-              <a:rPr lang="en-US"/>
-              <a:t>Recommendation Engines:</a:t>
-            </a:r>
-            <a:endParaRPr lang="en-US"/>
-          </a:p>
-          <a:p>
-            <a:pPr lvl="1"/>
-            <a:r>
-              <a:rPr lang="en-US"/>
-              <a:t>Using relationships between users, items, and their interactions to provide recommendations.</a:t>
-            </a:r>
-            <a:endParaRPr lang="en-US"/>
-          </a:p>
-          <a:p>
-            <a:pPr lvl="1"/>
-            <a:r>
-              <a:rPr lang="en-US"/>
-              <a:t>Example: Product recommendations based on user behavior and preferences.</a:t>
-            </a:r>
-            <a:endParaRPr lang="en-US"/>
-          </a:p>
-          <a:p>
-            <a:r>
-              <a:rPr lang="en-US"/>
-              <a:t>Fraud Detection:</a:t>
-            </a:r>
-            <a:endParaRPr lang="en-US"/>
-          </a:p>
-          <a:p>
-            <a:pPr lvl="1"/>
-            <a:r>
-              <a:rPr lang="en-US"/>
-              <a:t>Analyzing transaction patterns and relationships to detect anomalies and fraudulent activities.</a:t>
-            </a:r>
-            <a:endParaRPr lang="en-US"/>
-          </a:p>
-          <a:p>
-            <a:pPr lvl="1"/>
-            <a:r>
-              <a:rPr lang="en-US"/>
-              <a:t>Example: Detecting suspicious transaction patterns in financial networks.</a:t>
-            </a:r>
-            <a:endParaRPr lang="en-US"/>
-          </a:p>
-          <a:p>
-            <a:pPr marL="0" indent="0">
-              <a:buNone/>
-            </a:pPr>
+          <a:bodyPr/>
+          <a:p>
+            <a:r>
+              <a:rPr lang="en-US"/>
+              <a:t>Complexity:</a:t>
+            </a:r>
+            <a:endParaRPr lang="en-US"/>
+          </a:p>
+          <a:p>
+            <a:pPr lvl="1"/>
+            <a:r>
+              <a:rPr lang="en-US"/>
+              <a:t>Can become complex to manage and visualize as the graph grows in size and density.</a:t>
+            </a:r>
+            <a:endParaRPr lang="en-US"/>
+          </a:p>
+          <a:p>
+            <a:pPr lvl="1"/>
+            <a:r>
+              <a:rPr lang="en-US"/>
+              <a:t>Requires specialized knowledge for effective use and optimization.</a:t>
+            </a:r>
+            <a:endParaRPr lang="en-US"/>
+          </a:p>
+          <a:p>
+            <a:r>
+              <a:rPr lang="en-US"/>
+              <a:t>Scalability:</a:t>
+            </a:r>
+            <a:endParaRPr lang="en-US"/>
+          </a:p>
+          <a:p>
+            <a:pPr lvl="1"/>
+            <a:r>
+              <a:rPr lang="en-US"/>
+              <a:t>While some graph databases scale horizontally, handling very large graphs can be challenging compared to simpler data models.</a:t>
+            </a:r>
             <a:endParaRPr lang="en-US"/>
           </a:p>
         </p:txBody>
@@ -7082,52 +6937,81 @@
         <p:spPr/>
         <p:txBody>
           <a:bodyPr>
-            <a:normAutofit/>
+            <a:normAutofit fontScale="85000"/>
           </a:bodyPr>
           <a:p>
             <a:r>
               <a:rPr lang="en-US"/>
-              <a:t>Knowledge Graphs:</a:t>
-            </a:r>
-            <a:endParaRPr lang="en-US"/>
-          </a:p>
-          <a:p>
-            <a:pPr lvl="1"/>
-            <a:r>
-              <a:rPr lang="en-US"/>
-              <a:t>Integrating and linking various data sources to create a comprehensive knowledge base.</a:t>
-            </a:r>
-            <a:endParaRPr lang="en-US"/>
-          </a:p>
-          <a:p>
-            <a:pPr lvl="1"/>
-            <a:r>
-              <a:rPr lang="en-US"/>
-              <a:t>Example: Google's Knowledge Graph, which connects information about people, places, and things.</a:t>
-            </a:r>
-            <a:endParaRPr lang="en-US"/>
-          </a:p>
-          <a:p>
-            <a:r>
-              <a:rPr lang="en-US"/>
-              <a:t>Network and IT Operations:</a:t>
-            </a:r>
-            <a:endParaRPr lang="en-US"/>
-          </a:p>
-          <a:p>
-            <a:pPr lvl="1"/>
-            <a:r>
-              <a:rPr lang="en-US"/>
-              <a:t>Managing and analyzing network topologies, IT infrastructure, and dependencies.</a:t>
-            </a:r>
-            <a:endParaRPr lang="en-US"/>
-          </a:p>
-          <a:p>
-            <a:pPr lvl="1"/>
-            <a:r>
-              <a:rPr lang="en-US"/>
-              <a:t>Example: Visualizing and diagnosing network issues and dependencies.</a:t>
-            </a:r>
+              <a:t>Social Networks:</a:t>
+            </a:r>
+            <a:endParaRPr lang="en-US"/>
+          </a:p>
+          <a:p>
+            <a:pPr lvl="1"/>
+            <a:r>
+              <a:rPr lang="en-US"/>
+              <a:t>Modeling users and their relationships (friendships, follows, likes).</a:t>
+            </a:r>
+            <a:endParaRPr lang="en-US"/>
+          </a:p>
+          <a:p>
+            <a:pPr lvl="1"/>
+            <a:r>
+              <a:rPr lang="en-US"/>
+              <a:t>Example: Finding friends of friends, recommending new connections.</a:t>
+            </a:r>
+            <a:endParaRPr lang="en-US"/>
+          </a:p>
+          <a:p>
+            <a:r>
+              <a:rPr lang="en-US"/>
+              <a:t>Recommendation Engines:</a:t>
+            </a:r>
+            <a:endParaRPr lang="en-US"/>
+          </a:p>
+          <a:p>
+            <a:pPr lvl="1"/>
+            <a:r>
+              <a:rPr lang="en-US"/>
+              <a:t>Using relationships between users, items, and their interactions to provide recommendations.</a:t>
+            </a:r>
+            <a:endParaRPr lang="en-US"/>
+          </a:p>
+          <a:p>
+            <a:pPr lvl="1"/>
+            <a:r>
+              <a:rPr lang="en-US"/>
+              <a:t>Example: Product recommendations based on user behavior and preferences.</a:t>
+            </a:r>
+            <a:endParaRPr lang="en-US"/>
+          </a:p>
+          <a:p>
+            <a:r>
+              <a:rPr lang="en-US"/>
+              <a:t>Fraud Detection:</a:t>
+            </a:r>
+            <a:endParaRPr lang="en-US"/>
+          </a:p>
+          <a:p>
+            <a:pPr lvl="1"/>
+            <a:r>
+              <a:rPr lang="en-US"/>
+              <a:t>Analyzing transaction patterns and relationships to detect anomalies and fraudulent activities.</a:t>
+            </a:r>
+            <a:endParaRPr lang="en-US"/>
+          </a:p>
+          <a:p>
+            <a:pPr lvl="1"/>
+            <a:r>
+              <a:rPr lang="en-US"/>
+              <a:t>Example: Detecting suspicious transaction patterns in financial networks.</a:t>
+            </a:r>
+            <a:endParaRPr lang="en-US"/>
+          </a:p>
+          <a:p>
+            <a:pPr marL="0" indent="0">
+              <a:buNone/>
+            </a:pPr>
             <a:endParaRPr lang="en-US"/>
           </a:p>
         </p:txBody>
@@ -7166,7 +7050,7 @@
           <a:p>
             <a:r>
               <a:rPr lang="en-US"/>
-              <a:t>Tools </a:t>
+              <a:t>Graph data model use cases </a:t>
             </a:r>
             <a:endParaRPr lang="en-US"/>
           </a:p>
@@ -7190,38 +7074,46 @@
           <a:p>
             <a:r>
               <a:rPr lang="en-US"/>
-              <a:t>Neo4j:</a:t>
-            </a:r>
-            <a:endParaRPr lang="en-US"/>
-          </a:p>
-          <a:p>
-            <a:pPr lvl="1"/>
-            <a:r>
-              <a:rPr lang="en-US"/>
-              <a:t>A widely used property graph database with a rich set of features and tools.</a:t>
-            </a:r>
-            <a:endParaRPr lang="en-US"/>
-          </a:p>
-          <a:p>
-            <a:pPr lvl="1"/>
-            <a:r>
-              <a:rPr lang="en-US"/>
-              <a:t>Known for its Cypher query language.</a:t>
-            </a:r>
-            <a:endParaRPr lang="en-US"/>
-          </a:p>
-          <a:p>
-            <a:r>
-              <a:rPr lang="en-US"/>
-              <a:t>ArangoDB:</a:t>
-            </a:r>
-            <a:endParaRPr lang="en-US"/>
-          </a:p>
-          <a:p>
-            <a:pPr lvl="1"/>
-            <a:r>
-              <a:rPr lang="en-US"/>
-              <a:t>A multi-model database supporting graph, document, and key-value data models.</a:t>
+              <a:t>Knowledge Graphs:</a:t>
+            </a:r>
+            <a:endParaRPr lang="en-US"/>
+          </a:p>
+          <a:p>
+            <a:pPr lvl="1"/>
+            <a:r>
+              <a:rPr lang="en-US"/>
+              <a:t>Integrating and linking various data sources to create a comprehensive knowledge base.</a:t>
+            </a:r>
+            <a:endParaRPr lang="en-US"/>
+          </a:p>
+          <a:p>
+            <a:pPr lvl="1"/>
+            <a:r>
+              <a:rPr lang="en-US"/>
+              <a:t>Example: Google's Knowledge Graph, which connects information about people, places, and things.</a:t>
+            </a:r>
+            <a:endParaRPr lang="en-US"/>
+          </a:p>
+          <a:p>
+            <a:r>
+              <a:rPr lang="en-US"/>
+              <a:t>Network and IT Operations:</a:t>
+            </a:r>
+            <a:endParaRPr lang="en-US"/>
+          </a:p>
+          <a:p>
+            <a:pPr lvl="1"/>
+            <a:r>
+              <a:rPr lang="en-US"/>
+              <a:t>Managing and analyzing network topologies, IT infrastructure, and dependencies.</a:t>
+            </a:r>
+            <a:endParaRPr lang="en-US"/>
+          </a:p>
+          <a:p>
+            <a:pPr lvl="1"/>
+            <a:r>
+              <a:rPr lang="en-US"/>
+              <a:t>Example: Visualizing and diagnosing network issues and dependencies.</a:t>
             </a:r>
             <a:endParaRPr lang="en-US"/>
           </a:p>
@@ -7236,6 +7128,265 @@
 </file>
 
 <file path=ppt/slides/slide35.xml><?xml version="1.0" encoding="utf-8"?>
+<p:sld xmlns:a="http://schemas.openxmlformats.org/drawingml/2006/main" xmlns:r="http://schemas.openxmlformats.org/officeDocument/2006/relationships" xmlns:p="http://schemas.openxmlformats.org/presentationml/2006/main">
+  <p:cSld>
+    <p:spTree>
+      <p:nvGrpSpPr>
+        <p:cNvPr id="1" name=""/>
+        <p:cNvGrpSpPr/>
+        <p:nvPr/>
+      </p:nvGrpSpPr>
+      <p:grpSpPr/>
+      <p:sp>
+        <p:nvSpPr>
+          <p:cNvPr id="2" name="Title 1"/>
+          <p:cNvSpPr>
+            <a:spLocks noGrp="1"/>
+          </p:cNvSpPr>
+          <p:nvPr>
+            <p:ph type="title"/>
+          </p:nvPr>
+        </p:nvSpPr>
+        <p:spPr/>
+        <p:txBody>
+          <a:bodyPr/>
+          <a:p>
+            <a:r>
+              <a:rPr lang="en-US"/>
+              <a:t>Tools </a:t>
+            </a:r>
+            <a:endParaRPr lang="en-US"/>
+          </a:p>
+        </p:txBody>
+      </p:sp>
+      <p:sp>
+        <p:nvSpPr>
+          <p:cNvPr id="3" name="Content Placeholder 2"/>
+          <p:cNvSpPr>
+            <a:spLocks noGrp="1"/>
+          </p:cNvSpPr>
+          <p:nvPr>
+            <p:ph idx="1"/>
+          </p:nvPr>
+        </p:nvSpPr>
+        <p:spPr/>
+        <p:txBody>
+          <a:bodyPr>
+            <a:normAutofit/>
+          </a:bodyPr>
+          <a:p>
+            <a:r>
+              <a:rPr lang="en-US"/>
+              <a:t>Neo4j:</a:t>
+            </a:r>
+            <a:endParaRPr lang="en-US"/>
+          </a:p>
+          <a:p>
+            <a:pPr lvl="1"/>
+            <a:r>
+              <a:rPr lang="en-US"/>
+              <a:t>A widely used property graph database with a rich set of features and tools.</a:t>
+            </a:r>
+            <a:endParaRPr lang="en-US"/>
+          </a:p>
+          <a:p>
+            <a:pPr lvl="1"/>
+            <a:r>
+              <a:rPr lang="en-US"/>
+              <a:t>Known for its Cypher query language.</a:t>
+            </a:r>
+            <a:endParaRPr lang="en-US"/>
+          </a:p>
+          <a:p>
+            <a:r>
+              <a:rPr lang="en-US"/>
+              <a:t>ArangoDB:</a:t>
+            </a:r>
+            <a:endParaRPr lang="en-US"/>
+          </a:p>
+          <a:p>
+            <a:pPr lvl="1"/>
+            <a:r>
+              <a:rPr lang="en-US"/>
+              <a:t>A multi-model database supporting graph, document, and key-value data models.</a:t>
+            </a:r>
+            <a:endParaRPr lang="en-US"/>
+          </a:p>
+        </p:txBody>
+      </p:sp>
+    </p:spTree>
+  </p:cSld>
+  <p:clrMapOvr>
+    <a:masterClrMapping/>
+  </p:clrMapOvr>
+</p:sld>
+</file>
+
+<file path=ppt/slides/slide36.xml><?xml version="1.0" encoding="utf-8"?>
+<p:sld xmlns:a="http://schemas.openxmlformats.org/drawingml/2006/main" xmlns:r="http://schemas.openxmlformats.org/officeDocument/2006/relationships" xmlns:p="http://schemas.openxmlformats.org/presentationml/2006/main">
+  <p:cSld>
+    <p:spTree>
+      <p:nvGrpSpPr>
+        <p:cNvPr id="1" name=""/>
+        <p:cNvGrpSpPr/>
+        <p:nvPr/>
+      </p:nvGrpSpPr>
+      <p:grpSpPr/>
+      <p:sp>
+        <p:nvSpPr>
+          <p:cNvPr id="2" name="Title 1"/>
+          <p:cNvSpPr>
+            <a:spLocks noGrp="1"/>
+          </p:cNvSpPr>
+          <p:nvPr>
+            <p:ph type="title"/>
+          </p:nvPr>
+        </p:nvSpPr>
+        <p:spPr>
+          <a:xfrm>
+            <a:off x="271145" y="1702435"/>
+            <a:ext cx="2692400" cy="2545080"/>
+          </a:xfrm>
+        </p:spPr>
+        <p:txBody>
+          <a:bodyPr>
+            <a:normAutofit fontScale="90000"/>
+          </a:bodyPr>
+          <a:p>
+            <a:r>
+              <a:rPr lang="en-US" altLang="en-GB"/>
+              <a:t>Neo4J import Northwind data </a:t>
+            </a:r>
+            <a:endParaRPr lang="en-US" altLang="en-GB"/>
+          </a:p>
+        </p:txBody>
+      </p:sp>
+      <p:pic>
+        <p:nvPicPr>
+          <p:cNvPr id="4" name="Picture 3"/>
+          <p:cNvPicPr>
+            <a:picLocks noChangeAspect="1"/>
+          </p:cNvPicPr>
+          <p:nvPr/>
+        </p:nvPicPr>
+        <p:blipFill>
+          <a:blip r:embed="rId1"/>
+          <a:stretch>
+            <a:fillRect/>
+          </a:stretch>
+        </p:blipFill>
+        <p:spPr>
+          <a:xfrm>
+            <a:off x="3160395" y="194945"/>
+            <a:ext cx="8732520" cy="6248400"/>
+          </a:xfrm>
+          <a:prstGeom prst="rect">
+            <a:avLst/>
+          </a:prstGeom>
+        </p:spPr>
+      </p:pic>
+    </p:spTree>
+  </p:cSld>
+  <p:clrMapOvr>
+    <a:masterClrMapping/>
+  </p:clrMapOvr>
+</p:sld>
+</file>
+
+<file path=ppt/slides/slide37.xml><?xml version="1.0" encoding="utf-8"?>
+<p:sld xmlns:a="http://schemas.openxmlformats.org/drawingml/2006/main" xmlns:r="http://schemas.openxmlformats.org/officeDocument/2006/relationships" xmlns:p="http://schemas.openxmlformats.org/presentationml/2006/main">
+  <p:cSld>
+    <p:spTree>
+      <p:nvGrpSpPr>
+        <p:cNvPr id="1" name=""/>
+        <p:cNvGrpSpPr/>
+        <p:nvPr/>
+      </p:nvGrpSpPr>
+      <p:grpSpPr/>
+      <p:sp>
+        <p:nvSpPr>
+          <p:cNvPr id="2" name="Title 1"/>
+          <p:cNvSpPr>
+            <a:spLocks noGrp="1"/>
+          </p:cNvSpPr>
+          <p:nvPr>
+            <p:ph type="title"/>
+          </p:nvPr>
+        </p:nvSpPr>
+        <p:spPr/>
+        <p:txBody>
+          <a:bodyPr>
+            <a:normAutofit fontScale="90000"/>
+          </a:bodyPr>
+          <a:p>
+            <a:r>
+              <a:rPr lang="en-US" altLang="en-GB"/>
+              <a:t>from relation data model to graph data model</a:t>
+            </a:r>
+            <a:br>
+              <a:rPr lang="en-US" altLang="en-GB"/>
+            </a:br>
+            <a:r>
+              <a:rPr lang="en-US" altLang="en-GB"/>
+              <a:t>Northwind data  </a:t>
+            </a:r>
+            <a:endParaRPr lang="en-US" altLang="en-GB"/>
+          </a:p>
+        </p:txBody>
+      </p:sp>
+      <p:pic>
+        <p:nvPicPr>
+          <p:cNvPr id="4" name="Picture 3"/>
+          <p:cNvPicPr/>
+          <p:nvPr/>
+        </p:nvPicPr>
+        <p:blipFill>
+          <a:blip r:embed="rId1"/>
+          <a:stretch>
+            <a:fillRect/>
+          </a:stretch>
+        </p:blipFill>
+        <p:spPr>
+          <a:xfrm>
+            <a:off x="318770" y="2019300"/>
+            <a:ext cx="4747260" cy="4174490"/>
+          </a:xfrm>
+          <a:prstGeom prst="rect">
+            <a:avLst/>
+          </a:prstGeom>
+        </p:spPr>
+      </p:pic>
+      <p:pic>
+        <p:nvPicPr>
+          <p:cNvPr id="5" name="Picture 4"/>
+          <p:cNvPicPr/>
+          <p:nvPr/>
+        </p:nvPicPr>
+        <p:blipFill>
+          <a:blip r:embed="rId2"/>
+          <a:stretch>
+            <a:fillRect/>
+          </a:stretch>
+        </p:blipFill>
+        <p:spPr>
+          <a:xfrm>
+            <a:off x="5979795" y="2019300"/>
+            <a:ext cx="4779010" cy="4173855"/>
+          </a:xfrm>
+          <a:prstGeom prst="rect">
+            <a:avLst/>
+          </a:prstGeom>
+        </p:spPr>
+      </p:pic>
+    </p:spTree>
+  </p:cSld>
+  <p:clrMapOvr>
+    <a:masterClrMapping/>
+  </p:clrMapOvr>
+</p:sld>
+</file>
+
+<file path=ppt/slides/slide38.xml><?xml version="1.0" encoding="utf-8"?>
 <p:sld xmlns:a="http://schemas.openxmlformats.org/drawingml/2006/main" xmlns:r="http://schemas.openxmlformats.org/officeDocument/2006/relationships" xmlns:p="http://schemas.openxmlformats.org/presentationml/2006/main">
   <p:cSld>
     <p:spTree>

--- a/PPT slides/02 EDABDC - Data Models - part 2.pptx
+++ b/PPT slides/02 EDABDC - Data Models - part 2.pptx
@@ -45,7 +45,16 @@
     <p:sldId id="494" r:id="rId38"/>
     <p:sldId id="535" r:id="rId39"/>
     <p:sldId id="536" r:id="rId40"/>
-    <p:sldId id="264" r:id="rId41"/>
+    <p:sldId id="548" r:id="rId41"/>
+    <p:sldId id="549" r:id="rId42"/>
+    <p:sldId id="550" r:id="rId43"/>
+    <p:sldId id="551" r:id="rId44"/>
+    <p:sldId id="552" r:id="rId45"/>
+    <p:sldId id="556" r:id="rId46"/>
+    <p:sldId id="558" r:id="rId47"/>
+    <p:sldId id="553" r:id="rId48"/>
+    <p:sldId id="555" r:id="rId49"/>
+    <p:sldId id="264" r:id="rId50"/>
   </p:sldIdLst>
   <p:sldSz cx="12192000" cy="6858000"/>
   <p:notesSz cx="6858000" cy="9144000"/>
@@ -538,6 +547,54 @@
 </p:notes>
 </file>
 
+<file path=ppt/notesSlides/notesSlide2.xml><?xml version="1.0" encoding="utf-8"?>
+<p:notes xmlns:a="http://schemas.openxmlformats.org/drawingml/2006/main" xmlns:r="http://schemas.openxmlformats.org/officeDocument/2006/relationships" xmlns:p="http://schemas.openxmlformats.org/presentationml/2006/main">
+  <p:cSld>
+    <p:spTree>
+      <p:nvGrpSpPr>
+        <p:cNvPr id="1" name=""/>
+        <p:cNvGrpSpPr/>
+        <p:nvPr/>
+      </p:nvGrpSpPr>
+      <p:grpSpPr/>
+      <p:sp>
+        <p:nvSpPr>
+          <p:cNvPr id="2" name="Slide Image Placeholder 1"/>
+          <p:cNvSpPr>
+            <a:spLocks noGrp="1"/>
+          </p:cNvSpPr>
+          <p:nvPr>
+            <p:ph type="sldImg" idx="2"/>
+          </p:nvPr>
+        </p:nvSpPr>
+        <p:spPr/>
+      </p:sp>
+      <p:sp>
+        <p:nvSpPr>
+          <p:cNvPr id="3" name="Text Placeholder 2"/>
+          <p:cNvSpPr>
+            <a:spLocks noGrp="1"/>
+          </p:cNvSpPr>
+          <p:nvPr>
+            <p:ph type="body" idx="3"/>
+          </p:nvPr>
+        </p:nvSpPr>
+        <p:spPr/>
+        <p:txBody>
+          <a:bodyPr/>
+          <a:p>
+            <a:endParaRPr lang="en-GB" altLang="en-US"/>
+          </a:p>
+        </p:txBody>
+      </p:sp>
+    </p:spTree>
+  </p:cSld>
+  <p:clrMapOvr>
+    <a:masterClrMapping/>
+  </p:clrMapOvr>
+</p:notes>
+</file>
+
 <file path=ppt/slideLayouts/slideLayout1.xml><?xml version="1.0" encoding="utf-8"?>
 <p:sldLayout xmlns:a="http://schemas.openxmlformats.org/drawingml/2006/main" xmlns:r="http://schemas.openxmlformats.org/officeDocument/2006/relationships" xmlns:p="http://schemas.openxmlformats.org/presentationml/2006/main" type="title" preserve="1">
   <p:cSld name="Title Slide">
@@ -953,6 +1010,173 @@
         </p:spPr>
         <p:txBody>
           <a:bodyPr vert="eaVert"/>
+          <a:lstStyle/>
+          <a:p>
+            <a:pPr lvl="0"/>
+            <a:r>
+              <a:rPr lang="en-US" smtClean="0"/>
+              <a:t>Click to edit Master text styles</a:t>
+            </a:r>
+            <a:endParaRPr lang="en-US" smtClean="0"/>
+          </a:p>
+          <a:p>
+            <a:pPr lvl="1"/>
+            <a:r>
+              <a:rPr lang="en-US" smtClean="0"/>
+              <a:t>Second level</a:t>
+            </a:r>
+            <a:endParaRPr lang="en-US" smtClean="0"/>
+          </a:p>
+          <a:p>
+            <a:pPr lvl="2"/>
+            <a:r>
+              <a:rPr lang="en-US" smtClean="0"/>
+              <a:t>Third level</a:t>
+            </a:r>
+            <a:endParaRPr lang="en-US" smtClean="0"/>
+          </a:p>
+          <a:p>
+            <a:pPr lvl="3"/>
+            <a:r>
+              <a:rPr lang="en-US" smtClean="0"/>
+              <a:t>Fourth level</a:t>
+            </a:r>
+            <a:endParaRPr lang="en-US" smtClean="0"/>
+          </a:p>
+          <a:p>
+            <a:pPr lvl="4"/>
+            <a:r>
+              <a:rPr lang="en-US" smtClean="0"/>
+              <a:t>Fifth level</a:t>
+            </a:r>
+            <a:endParaRPr lang="en-US"/>
+          </a:p>
+        </p:txBody>
+      </p:sp>
+      <p:sp>
+        <p:nvSpPr>
+          <p:cNvPr id="4" name="Date Placeholder 3"/>
+          <p:cNvSpPr>
+            <a:spLocks noGrp="1"/>
+          </p:cNvSpPr>
+          <p:nvPr>
+            <p:ph type="dt" sz="half" idx="10"/>
+          </p:nvPr>
+        </p:nvSpPr>
+        <p:spPr/>
+        <p:txBody>
+          <a:bodyPr/>
+          <a:lstStyle/>
+          <a:p>
+            <a:fld id="{63A1C593-65D0-4073-BCC9-577B9352EA97}" type="datetimeFigureOut">
+              <a:rPr lang="en-US" smtClean="0"/>
+            </a:fld>
+            <a:endParaRPr lang="en-US"/>
+          </a:p>
+        </p:txBody>
+      </p:sp>
+      <p:sp>
+        <p:nvSpPr>
+          <p:cNvPr id="5" name="Footer Placeholder 4"/>
+          <p:cNvSpPr>
+            <a:spLocks noGrp="1"/>
+          </p:cNvSpPr>
+          <p:nvPr>
+            <p:ph type="ftr" sz="quarter" idx="11"/>
+          </p:nvPr>
+        </p:nvSpPr>
+        <p:spPr/>
+        <p:txBody>
+          <a:bodyPr/>
+          <a:lstStyle/>
+          <a:p>
+            <a:endParaRPr lang="en-US"/>
+          </a:p>
+        </p:txBody>
+      </p:sp>
+      <p:sp>
+        <p:nvSpPr>
+          <p:cNvPr id="6" name="Slide Number Placeholder 5"/>
+          <p:cNvSpPr>
+            <a:spLocks noGrp="1"/>
+          </p:cNvSpPr>
+          <p:nvPr>
+            <p:ph type="sldNum" sz="quarter" idx="12"/>
+          </p:nvPr>
+        </p:nvSpPr>
+        <p:spPr/>
+        <p:txBody>
+          <a:bodyPr/>
+          <a:lstStyle/>
+          <a:p>
+            <a:fld id="{9B618960-8005-486C-9A75-10CB2AAC16F9}" type="slidenum">
+              <a:rPr lang="en-US" smtClean="0"/>
+            </a:fld>
+            <a:endParaRPr lang="en-US"/>
+          </a:p>
+        </p:txBody>
+      </p:sp>
+    </p:spTree>
+  </p:cSld>
+  <p:clrMapOvr>
+    <a:masterClrMapping/>
+  </p:clrMapOvr>
+</p:sldLayout>
+</file>
+
+<file path=ppt/slideLayouts/slideLayout12.xml><?xml version="1.0" encoding="utf-8"?>
+<p:sldLayout xmlns:a="http://schemas.openxmlformats.org/drawingml/2006/main" xmlns:r="http://schemas.openxmlformats.org/officeDocument/2006/relationships" xmlns:p="http://schemas.openxmlformats.org/presentationml/2006/main" type="tx" preserve="1">
+  <p:cSld name="Title and Text">
+    <p:spTree>
+      <p:nvGrpSpPr>
+        <p:cNvPr id="1" name=""/>
+        <p:cNvGrpSpPr/>
+        <p:nvPr/>
+      </p:nvGrpSpPr>
+      <p:grpSpPr>
+        <a:xfrm>
+          <a:off x="0" y="0"/>
+          <a:ext cx="0" cy="0"/>
+          <a:chOff x="0" y="0"/>
+          <a:chExt cx="0" cy="0"/>
+        </a:xfrm>
+      </p:grpSpPr>
+      <p:sp>
+        <p:nvSpPr>
+          <p:cNvPr id="2" name="Title 1"/>
+          <p:cNvSpPr>
+            <a:spLocks noGrp="1"/>
+          </p:cNvSpPr>
+          <p:nvPr>
+            <p:ph type="title"/>
+          </p:nvPr>
+        </p:nvSpPr>
+        <p:spPr/>
+        <p:txBody>
+          <a:bodyPr/>
+          <a:lstStyle/>
+          <a:p>
+            <a:r>
+              <a:rPr lang="en-US" smtClean="0"/>
+              <a:t>Click to edit Master title style</a:t>
+            </a:r>
+            <a:endParaRPr lang="en-US"/>
+          </a:p>
+        </p:txBody>
+      </p:sp>
+      <p:sp>
+        <p:nvSpPr>
+          <p:cNvPr id="3" name="Text Placeholder 2"/>
+          <p:cNvSpPr>
+            <a:spLocks noGrp="1"/>
+          </p:cNvSpPr>
+          <p:nvPr>
+            <p:ph type="body" idx="1"/>
+          </p:nvPr>
+        </p:nvSpPr>
+        <p:spPr/>
+        <p:txBody>
+          <a:bodyPr/>
           <a:lstStyle/>
           <a:p>
             <a:pPr lvl="0"/>
@@ -3051,6 +3275,7 @@
     <p:sldLayoutId id="2147483657" r:id="rId9"/>
     <p:sldLayoutId id="2147483658" r:id="rId10"/>
     <p:sldLayoutId id="2147483659" r:id="rId11"/>
+    <p:sldLayoutId id="2147483660" r:id="rId12"/>
   </p:sldLayoutIdLst>
   <p:txStyles>
     <p:titleStyle>
@@ -7408,6 +7633,1010 @@
         </p:nvSpPr>
         <p:spPr/>
         <p:txBody>
+          <a:bodyPr>
+            <a:normAutofit/>
+          </a:bodyPr>
+          <a:p>
+            <a:r>
+              <a:rPr lang="en-US" altLang="en-GB"/>
+              <a:t>Basic Querying</a:t>
+            </a:r>
+            <a:endParaRPr lang="en-US" altLang="en-GB"/>
+          </a:p>
+        </p:txBody>
+      </p:sp>
+      <p:sp>
+        <p:nvSpPr>
+          <p:cNvPr id="3" name="Content Placeholder 2"/>
+          <p:cNvSpPr>
+            <a:spLocks noGrp="1"/>
+          </p:cNvSpPr>
+          <p:nvPr>
+            <p:ph idx="1"/>
+          </p:nvPr>
+        </p:nvSpPr>
+        <p:spPr/>
+        <p:txBody>
+          <a:bodyPr/>
+          <a:p>
+            <a:r>
+              <a:rPr lang="en-US" altLang="en-GB"/>
+              <a:t>Load query for product nodes</a:t>
+            </a:r>
+            <a:endParaRPr lang="en-US" altLang="en-GB"/>
+          </a:p>
+          <a:p>
+            <a:pPr marL="0" indent="0">
+              <a:buNone/>
+            </a:pPr>
+            <a:endParaRPr lang="en-US" altLang="en-GB"/>
+          </a:p>
+          <a:p>
+            <a:pPr marL="0" indent="0">
+              <a:buNone/>
+            </a:pPr>
+            <a:r>
+              <a:rPr lang="en-US" altLang="en-GB"/>
+              <a:t>MATCH (n:Product)</a:t>
+            </a:r>
+            <a:endParaRPr lang="en-US" altLang="en-GB"/>
+          </a:p>
+          <a:p>
+            <a:pPr marL="0" indent="0">
+              <a:buNone/>
+            </a:pPr>
+            <a:r>
+              <a:rPr lang="en-US" altLang="en-GB"/>
+              <a:t>RETURN n</a:t>
+            </a:r>
+            <a:endParaRPr lang="en-US" altLang="en-GB"/>
+          </a:p>
+          <a:p>
+            <a:pPr marL="0" indent="0">
+              <a:buNone/>
+            </a:pPr>
+            <a:r>
+              <a:rPr lang="en-US" altLang="en-GB"/>
+              <a:t>LIMIT 25</a:t>
+            </a:r>
+            <a:endParaRPr lang="en-US" altLang="en-GB"/>
+          </a:p>
+        </p:txBody>
+      </p:sp>
+    </p:spTree>
+  </p:cSld>
+  <p:clrMapOvr>
+    <a:masterClrMapping/>
+  </p:clrMapOvr>
+</p:sld>
+</file>
+
+<file path=ppt/slides/slide39.xml><?xml version="1.0" encoding="utf-8"?>
+<p:sld xmlns:a="http://schemas.openxmlformats.org/drawingml/2006/main" xmlns:r="http://schemas.openxmlformats.org/officeDocument/2006/relationships" xmlns:p="http://schemas.openxmlformats.org/presentationml/2006/main">
+  <p:cSld>
+    <p:spTree>
+      <p:nvGrpSpPr>
+        <p:cNvPr id="1" name=""/>
+        <p:cNvGrpSpPr/>
+        <p:nvPr/>
+      </p:nvGrpSpPr>
+      <p:grpSpPr/>
+      <p:sp>
+        <p:nvSpPr>
+          <p:cNvPr id="2" name="Title 1"/>
+          <p:cNvSpPr>
+            <a:spLocks noGrp="1"/>
+          </p:cNvSpPr>
+          <p:nvPr>
+            <p:ph type="title"/>
+          </p:nvPr>
+        </p:nvSpPr>
+        <p:spPr/>
+        <p:txBody>
+          <a:bodyPr>
+            <a:normAutofit fontScale="90000"/>
+          </a:bodyPr>
+          <a:p>
+            <a:r>
+              <a:rPr lang="en-US" altLang="en-GB"/>
+              <a:t>All products ordered by a customer and who supplies those</a:t>
+            </a:r>
+            <a:endParaRPr lang="en-US" altLang="en-GB"/>
+          </a:p>
+        </p:txBody>
+      </p:sp>
+      <p:sp>
+        <p:nvSpPr>
+          <p:cNvPr id="3" name="Content Placeholder 2"/>
+          <p:cNvSpPr>
+            <a:spLocks noGrp="1"/>
+          </p:cNvSpPr>
+          <p:nvPr>
+            <p:ph idx="1"/>
+          </p:nvPr>
+        </p:nvSpPr>
+        <p:spPr/>
+        <p:txBody>
+          <a:bodyPr/>
+          <a:p>
+            <a:pPr marL="0" indent="0">
+              <a:buNone/>
+            </a:pPr>
+            <a:r>
+              <a:rPr lang="en-US" altLang="en-GB"/>
+              <a:t>MATCH path=(c:Customer)-[:PURCHASED]-&gt;()-[:ORDERS]-&gt;(:Product)&lt;-[:SUPPLIES]-(:Supplier)</a:t>
+            </a:r>
+            <a:endParaRPr lang="en-US" altLang="en-GB"/>
+          </a:p>
+          <a:p>
+            <a:pPr marL="0" indent="0">
+              <a:buNone/>
+            </a:pPr>
+            <a:r>
+              <a:rPr lang="en-US" altLang="en-GB"/>
+              <a:t>WHERE c.companyName = 'Blauer See Delikatessen'</a:t>
+            </a:r>
+            <a:endParaRPr lang="en-US" altLang="en-GB"/>
+          </a:p>
+          <a:p>
+            <a:pPr marL="0" indent="0">
+              <a:buNone/>
+            </a:pPr>
+            <a:r>
+              <a:rPr lang="en-US" altLang="en-GB"/>
+              <a:t>RETURN path;</a:t>
+            </a:r>
+            <a:endParaRPr lang="en-US" altLang="en-GB"/>
+          </a:p>
+        </p:txBody>
+      </p:sp>
+    </p:spTree>
+  </p:cSld>
+  <p:clrMapOvr>
+    <a:masterClrMapping/>
+  </p:clrMapOvr>
+</p:sld>
+</file>
+
+<file path=ppt/slides/slide4.xml><?xml version="1.0" encoding="utf-8"?>
+<p:sld xmlns:a="http://schemas.openxmlformats.org/drawingml/2006/main" xmlns:r="http://schemas.openxmlformats.org/officeDocument/2006/relationships" xmlns:p="http://schemas.openxmlformats.org/presentationml/2006/main">
+  <p:cSld>
+    <p:spTree>
+      <p:nvGrpSpPr>
+        <p:cNvPr id="1" name=""/>
+        <p:cNvGrpSpPr/>
+        <p:nvPr/>
+      </p:nvGrpSpPr>
+      <p:grpSpPr/>
+      <p:sp>
+        <p:nvSpPr>
+          <p:cNvPr id="2" name="Title 1"/>
+          <p:cNvSpPr>
+            <a:spLocks noGrp="1"/>
+          </p:cNvSpPr>
+          <p:nvPr>
+            <p:ph type="title"/>
+          </p:nvPr>
+        </p:nvSpPr>
+        <p:spPr/>
+        <p:txBody>
+          <a:bodyPr/>
+          <a:p>
+            <a:r>
+              <a:rPr lang="en-US">
+                <a:sym typeface="+mn-ea"/>
+              </a:rPr>
+              <a:t>Importance of Data Models</a:t>
+            </a:r>
+            <a:endParaRPr lang="en-US"/>
+          </a:p>
+        </p:txBody>
+      </p:sp>
+      <p:sp>
+        <p:nvSpPr>
+          <p:cNvPr id="3" name="Content Placeholder 2"/>
+          <p:cNvSpPr>
+            <a:spLocks noGrp="1"/>
+          </p:cNvSpPr>
+          <p:nvPr>
+            <p:ph idx="1"/>
+          </p:nvPr>
+        </p:nvSpPr>
+        <p:spPr>
+          <a:xfrm>
+            <a:off x="838200" y="1825625"/>
+            <a:ext cx="10929620" cy="4351655"/>
+          </a:xfrm>
+        </p:spPr>
+        <p:txBody>
+          <a:bodyPr>
+            <a:normAutofit lnSpcReduction="10000"/>
+          </a:bodyPr>
+          <a:p>
+            <a:r>
+              <a:rPr lang="en-US"/>
+              <a:t>Data Organization: Helps in organizing and structuring data efficiently.</a:t>
+            </a:r>
+            <a:endParaRPr lang="en-US"/>
+          </a:p>
+          <a:p>
+            <a:r>
+              <a:rPr lang="en-US"/>
+              <a:t>Data Integrity: Ensures the accuracy and consistency of data through constraints and rules.</a:t>
+            </a:r>
+            <a:endParaRPr lang="en-US"/>
+          </a:p>
+          <a:p>
+            <a:r>
+              <a:rPr lang="en-US"/>
+              <a:t>Data Access: Facilitates easy and efficient access to data for queries and transactions.</a:t>
+            </a:r>
+            <a:endParaRPr lang="en-US"/>
+          </a:p>
+          <a:p>
+            <a:r>
+              <a:rPr lang="en-US"/>
+              <a:t>Scalability: Allows databases to scale and handle large volumes of data.</a:t>
+            </a:r>
+            <a:endParaRPr lang="en-US"/>
+          </a:p>
+          <a:p>
+            <a:r>
+              <a:rPr lang="en-US"/>
+              <a:t>Maintenance: Simplifies data management and maintenance over time.</a:t>
+            </a:r>
+            <a:endParaRPr lang="en-US"/>
+          </a:p>
+        </p:txBody>
+      </p:sp>
+    </p:spTree>
+  </p:cSld>
+  <p:clrMapOvr>
+    <a:masterClrMapping/>
+  </p:clrMapOvr>
+</p:sld>
+</file>
+
+<file path=ppt/slides/slide40.xml><?xml version="1.0" encoding="utf-8"?>
+<p:sld xmlns:a="http://schemas.openxmlformats.org/drawingml/2006/main" xmlns:r="http://schemas.openxmlformats.org/officeDocument/2006/relationships" xmlns:p="http://schemas.openxmlformats.org/presentationml/2006/main">
+  <p:cSld>
+    <p:spTree>
+      <p:nvGrpSpPr>
+        <p:cNvPr id="1" name=""/>
+        <p:cNvGrpSpPr/>
+        <p:nvPr/>
+      </p:nvGrpSpPr>
+      <p:grpSpPr/>
+      <p:pic>
+        <p:nvPicPr>
+          <p:cNvPr id="4" name="Picture 3"/>
+          <p:cNvPicPr/>
+          <p:nvPr/>
+        </p:nvPicPr>
+        <p:blipFill>
+          <a:blip r:embed="rId1"/>
+          <a:stretch>
+            <a:fillRect/>
+          </a:stretch>
+        </p:blipFill>
+        <p:spPr>
+          <a:xfrm>
+            <a:off x="2366645" y="71755"/>
+            <a:ext cx="6849110" cy="6595745"/>
+          </a:xfrm>
+          <a:prstGeom prst="rect">
+            <a:avLst/>
+          </a:prstGeom>
+        </p:spPr>
+      </p:pic>
+    </p:spTree>
+  </p:cSld>
+  <p:clrMapOvr>
+    <a:masterClrMapping/>
+  </p:clrMapOvr>
+</p:sld>
+</file>
+
+<file path=ppt/slides/slide41.xml><?xml version="1.0" encoding="utf-8"?>
+<p:sld xmlns:a="http://schemas.openxmlformats.org/drawingml/2006/main" xmlns:r="http://schemas.openxmlformats.org/officeDocument/2006/relationships" xmlns:p="http://schemas.openxmlformats.org/presentationml/2006/main">
+  <p:cSld>
+    <p:spTree>
+      <p:nvGrpSpPr>
+        <p:cNvPr id="1" name=""/>
+        <p:cNvGrpSpPr/>
+        <p:nvPr/>
+      </p:nvGrpSpPr>
+      <p:grpSpPr/>
+      <p:sp>
+        <p:nvSpPr>
+          <p:cNvPr id="2" name="Title 1"/>
+          <p:cNvSpPr>
+            <a:spLocks noGrp="1"/>
+          </p:cNvSpPr>
+          <p:nvPr>
+            <p:ph type="title"/>
+          </p:nvPr>
+        </p:nvSpPr>
+        <p:spPr/>
+        <p:txBody>
+          <a:bodyPr>
+            <a:normAutofit fontScale="90000"/>
+          </a:bodyPr>
+          <a:p>
+            <a:r>
+              <a:rPr lang="en-US" altLang="en-GB"/>
+              <a:t>Find total quantity per customer in the "Produce" category</a:t>
+            </a:r>
+            <a:endParaRPr lang="en-US" altLang="en-GB"/>
+          </a:p>
+        </p:txBody>
+      </p:sp>
+      <p:sp>
+        <p:nvSpPr>
+          <p:cNvPr id="3" name="Content Placeholder 2"/>
+          <p:cNvSpPr>
+            <a:spLocks noGrp="1"/>
+          </p:cNvSpPr>
+          <p:nvPr>
+            <p:ph idx="1"/>
+          </p:nvPr>
+        </p:nvSpPr>
+        <p:spPr/>
+        <p:txBody>
+          <a:bodyPr/>
+          <a:p>
+            <a:pPr marL="0" indent="0">
+              <a:buNone/>
+            </a:pPr>
+            <a:r>
+              <a:rPr lang="en-US" altLang="en-GB"/>
+              <a:t>MATCH (cust:Customer)-[:PURCHASED]-&gt;(:Order)-[o:ORDERS]-&gt;(p:Product),</a:t>
+            </a:r>
+            <a:endParaRPr lang="en-US" altLang="en-GB"/>
+          </a:p>
+          <a:p>
+            <a:pPr marL="0" indent="0">
+              <a:buNone/>
+            </a:pPr>
+            <a:r>
+              <a:rPr lang="en-US" altLang="en-GB"/>
+              <a:t>      (p)-[:PART_OF]-&gt;(c:Category {categoryName:'Produce'})</a:t>
+            </a:r>
+            <a:endParaRPr lang="en-US" altLang="en-GB"/>
+          </a:p>
+          <a:p>
+            <a:pPr marL="0" indent="0">
+              <a:buNone/>
+            </a:pPr>
+            <a:r>
+              <a:rPr lang="en-US" altLang="en-GB"/>
+              <a:t>RETURN cust.contactName as CustomerName,</a:t>
+            </a:r>
+            <a:endParaRPr lang="en-US" altLang="en-GB"/>
+          </a:p>
+          <a:p>
+            <a:pPr marL="0" indent="0">
+              <a:buNone/>
+            </a:pPr>
+            <a:r>
+              <a:rPr lang="en-US" altLang="en-GB"/>
+              <a:t>       sum(o.quantity) AS TotalProductsPurchased</a:t>
+            </a:r>
+            <a:endParaRPr lang="en-US" altLang="en-GB"/>
+          </a:p>
+        </p:txBody>
+      </p:sp>
+    </p:spTree>
+  </p:cSld>
+  <p:clrMapOvr>
+    <a:masterClrMapping/>
+  </p:clrMapOvr>
+</p:sld>
+</file>
+
+<file path=ppt/slides/slide42.xml><?xml version="1.0" encoding="utf-8"?>
+<p:sld xmlns:a="http://schemas.openxmlformats.org/drawingml/2006/main" xmlns:r="http://schemas.openxmlformats.org/officeDocument/2006/relationships" xmlns:p="http://schemas.openxmlformats.org/presentationml/2006/main">
+  <p:cSld>
+    <p:spTree>
+      <p:nvGrpSpPr>
+        <p:cNvPr id="1" name=""/>
+        <p:cNvGrpSpPr/>
+        <p:nvPr/>
+      </p:nvGrpSpPr>
+      <p:grpSpPr/>
+      <p:sp>
+        <p:nvSpPr>
+          <p:cNvPr id="2" name="Title 1"/>
+          <p:cNvSpPr>
+            <a:spLocks noGrp="1"/>
+          </p:cNvSpPr>
+          <p:nvPr>
+            <p:ph type="title"/>
+          </p:nvPr>
+        </p:nvSpPr>
+        <p:spPr/>
+        <p:txBody>
+          <a:bodyPr/>
+          <a:p>
+            <a:r>
+              <a:rPr lang="en-US" altLang="en-GB"/>
+              <a:t>sample datasets </a:t>
+            </a:r>
+            <a:endParaRPr lang="en-US" altLang="en-GB"/>
+          </a:p>
+        </p:txBody>
+      </p:sp>
+      <p:pic>
+        <p:nvPicPr>
+          <p:cNvPr id="4" name="Picture 3"/>
+          <p:cNvPicPr>
+            <a:picLocks noChangeAspect="1"/>
+          </p:cNvPicPr>
+          <p:nvPr/>
+        </p:nvPicPr>
+        <p:blipFill>
+          <a:blip r:embed="rId1"/>
+          <a:stretch>
+            <a:fillRect/>
+          </a:stretch>
+        </p:blipFill>
+        <p:spPr>
+          <a:xfrm>
+            <a:off x="316230" y="1870075"/>
+            <a:ext cx="11559540" cy="4625340"/>
+          </a:xfrm>
+          <a:prstGeom prst="rect">
+            <a:avLst/>
+          </a:prstGeom>
+        </p:spPr>
+      </p:pic>
+    </p:spTree>
+  </p:cSld>
+  <p:clrMapOvr>
+    <a:masterClrMapping/>
+  </p:clrMapOvr>
+</p:sld>
+</file>
+
+<file path=ppt/slides/slide43.xml><?xml version="1.0" encoding="utf-8"?>
+<p:sld xmlns:a="http://schemas.openxmlformats.org/drawingml/2006/main" xmlns:r="http://schemas.openxmlformats.org/officeDocument/2006/relationships" xmlns:p="http://schemas.openxmlformats.org/presentationml/2006/main">
+  <p:cSld>
+    <p:spTree>
+      <p:nvGrpSpPr>
+        <p:cNvPr id="1" name=""/>
+        <p:cNvGrpSpPr/>
+        <p:nvPr/>
+      </p:nvGrpSpPr>
+      <p:grpSpPr/>
+      <p:sp>
+        <p:nvSpPr>
+          <p:cNvPr id="4" name="Title 3"/>
+          <p:cNvSpPr>
+            <a:spLocks noGrp="1"/>
+          </p:cNvSpPr>
+          <p:nvPr>
+            <p:ph type="title"/>
+          </p:nvPr>
+        </p:nvSpPr>
+        <p:spPr/>
+        <p:txBody>
+          <a:bodyPr/>
+          <a:p>
+            <a:r>
+              <a:rPr lang="en-US" altLang="en-GB"/>
+              <a:t>Different data models </a:t>
+            </a:r>
+            <a:endParaRPr lang="en-US" altLang="en-GB"/>
+          </a:p>
+        </p:txBody>
+      </p:sp>
+    </p:spTree>
+  </p:cSld>
+  <p:clrMapOvr>
+    <a:masterClrMapping/>
+  </p:clrMapOvr>
+</p:sld>
+</file>
+
+<file path=ppt/slides/slide44.xml><?xml version="1.0" encoding="utf-8"?>
+<p:sld xmlns:a="http://schemas.openxmlformats.org/drawingml/2006/main" xmlns:r="http://schemas.openxmlformats.org/officeDocument/2006/relationships" xmlns:p="http://schemas.openxmlformats.org/presentationml/2006/main">
+  <p:cSld>
+    <p:spTree>
+      <p:nvGrpSpPr>
+        <p:cNvPr id="1" name=""/>
+        <p:cNvGrpSpPr/>
+        <p:nvPr/>
+      </p:nvGrpSpPr>
+      <p:grpSpPr/>
+      <p:sp>
+        <p:nvSpPr>
+          <p:cNvPr id="3" name="Content Placeholder 2"/>
+          <p:cNvSpPr>
+            <a:spLocks noGrp="1"/>
+          </p:cNvSpPr>
+          <p:nvPr>
+            <p:ph idx="1"/>
+          </p:nvPr>
+        </p:nvSpPr>
+        <p:spPr>
+          <a:xfrm>
+            <a:off x="144145" y="157480"/>
+            <a:ext cx="11920220" cy="6501765"/>
+          </a:xfrm>
+        </p:spPr>
+        <p:txBody>
+          <a:bodyPr>
+            <a:normAutofit fontScale="50000"/>
+          </a:bodyPr>
+          <a:p>
+            <a:pPr marL="0" indent="0">
+              <a:buNone/>
+            </a:pPr>
+            <a:r>
+              <a:rPr lang="en-US" altLang="en-GB"/>
+              <a:t>&lt;Data&gt;</a:t>
+            </a:r>
+            <a:endParaRPr lang="en-US" altLang="en-GB"/>
+          </a:p>
+          <a:p>
+            <a:pPr marL="0" indent="0">
+              <a:buNone/>
+            </a:pPr>
+            <a:r>
+              <a:rPr lang="en-US" altLang="en-GB"/>
+              <a:t>  &lt;Categories&gt;</a:t>
+            </a:r>
+            <a:endParaRPr lang="en-US" altLang="en-GB"/>
+          </a:p>
+          <a:p>
+            <a:pPr marL="0" indent="0">
+              <a:buNone/>
+            </a:pPr>
+            <a:r>
+              <a:rPr lang="en-US" altLang="en-GB"/>
+              <a:t>    &lt;Category id="1" name="Beverages" desc="Soft drinks, coffees, teas, beers, and ales" pic="image_url_or_base64"/&gt;</a:t>
+            </a:r>
+            <a:endParaRPr lang="en-US" altLang="en-GB"/>
+          </a:p>
+          <a:p>
+            <a:pPr marL="0" indent="0">
+              <a:buNone/>
+            </a:pPr>
+            <a:r>
+              <a:rPr lang="en-US" altLang="en-GB"/>
+              <a:t>    &lt;Category id="2" name="Condiments" desc="Sweet and savory sauces, relishes, spreads, and seasonings" pic="image_url_or_base64"/&gt;</a:t>
+            </a:r>
+            <a:endParaRPr lang="en-US" altLang="en-GB"/>
+          </a:p>
+          <a:p>
+            <a:pPr marL="0" indent="0">
+              <a:buNone/>
+            </a:pPr>
+            <a:r>
+              <a:rPr lang="en-US" altLang="en-GB"/>
+              <a:t>  &lt;/Categories&gt;</a:t>
+            </a:r>
+            <a:endParaRPr lang="en-US" altLang="en-GB"/>
+          </a:p>
+          <a:p>
+            <a:pPr marL="0" indent="0">
+              <a:buNone/>
+            </a:pPr>
+            <a:endParaRPr lang="en-US" altLang="en-GB"/>
+          </a:p>
+          <a:p>
+            <a:pPr marL="0" indent="0">
+              <a:buNone/>
+            </a:pPr>
+            <a:r>
+              <a:rPr lang="en-US" altLang="en-GB"/>
+              <a:t>  &lt;Suppliers&gt;</a:t>
+            </a:r>
+            <a:endParaRPr lang="en-US" altLang="en-GB"/>
+          </a:p>
+          <a:p>
+            <a:pPr marL="0" indent="0">
+              <a:buNone/>
+            </a:pPr>
+            <a:r>
+              <a:rPr lang="en-US" altLang="en-GB"/>
+              <a:t>    &lt;Supplier id="1" company="Exotic Liquids" contact="Charlotte Cooper" title="Purchasing Manager" addr="49 Gilbert St." city="London" postal="EC1 4SD" country="UK" phone="(171) 555-2222"/&gt;</a:t>
+            </a:r>
+            <a:endParaRPr lang="en-US" altLang="en-GB"/>
+          </a:p>
+          <a:p>
+            <a:pPr marL="0" indent="0">
+              <a:buNone/>
+            </a:pPr>
+            <a:r>
+              <a:rPr lang="en-US" altLang="en-GB"/>
+              <a:t>    &lt;Supplier id="2" company="New Orleans Cajun Delights" contact="Shelley Burke" title="Order Administrator" addr="P.O. Box 78934" city="New Orleans" region="LA" postal="70117" country="USA" phone="(100) 555-4822"/&gt;</a:t>
+            </a:r>
+            <a:endParaRPr lang="en-US" altLang="en-GB"/>
+          </a:p>
+          <a:p>
+            <a:pPr marL="0" indent="0">
+              <a:buNone/>
+            </a:pPr>
+            <a:r>
+              <a:rPr lang="en-US" altLang="en-GB"/>
+              <a:t>  &lt;/Suppliers&gt;</a:t>
+            </a:r>
+            <a:endParaRPr lang="en-US" altLang="en-GB"/>
+          </a:p>
+          <a:p>
+            <a:pPr marL="0" indent="0">
+              <a:buNone/>
+            </a:pPr>
+            <a:endParaRPr lang="en-US" altLang="en-GB"/>
+          </a:p>
+          <a:p>
+            <a:pPr marL="0" indent="0">
+              <a:buNone/>
+            </a:pPr>
+            <a:r>
+              <a:rPr lang="en-US" altLang="en-GB"/>
+              <a:t>  &lt;Products&gt;</a:t>
+            </a:r>
+            <a:endParaRPr lang="en-US" altLang="en-GB"/>
+          </a:p>
+          <a:p>
+            <a:pPr marL="0" indent="0">
+              <a:buNone/>
+            </a:pPr>
+            <a:r>
+              <a:rPr lang="en-US" altLang="en-GB"/>
+              <a:t>    &lt;Product id="1" name="Chai" catId="1" supId="1" qty="10 boxes x 20 bags" price="18.00" stock="39" order="0" reorder="10" disc="false"/&gt;</a:t>
+            </a:r>
+            <a:endParaRPr lang="en-US" altLang="en-GB"/>
+          </a:p>
+          <a:p>
+            <a:pPr marL="0" indent="0">
+              <a:buNone/>
+            </a:pPr>
+            <a:r>
+              <a:rPr lang="en-US" altLang="en-GB"/>
+              <a:t>    &lt;Product id="2" name="Chang" catId="1" supId="1" qty="24 - 12 oz bottles" price="19.00" stock="17" order="40" reorder="25" disc="false"/&gt;</a:t>
+            </a:r>
+            <a:endParaRPr lang="en-US" altLang="en-GB"/>
+          </a:p>
+          <a:p>
+            <a:pPr marL="0" indent="0">
+              <a:buNone/>
+            </a:pPr>
+            <a:r>
+              <a:rPr lang="en-US" altLang="en-GB"/>
+              <a:t>  &lt;/Products&gt;</a:t>
+            </a:r>
+            <a:endParaRPr lang="en-US" altLang="en-GB"/>
+          </a:p>
+          <a:p>
+            <a:pPr marL="0" indent="0">
+              <a:buNone/>
+            </a:pPr>
+            <a:r>
+              <a:rPr lang="en-US" altLang="en-GB"/>
+              <a:t>&lt;/Data&gt;</a:t>
+            </a:r>
+            <a:endParaRPr lang="en-US" altLang="en-GB"/>
+          </a:p>
+          <a:p>
+            <a:pPr marL="0" indent="0">
+              <a:buNone/>
+            </a:pPr>
+            <a:endParaRPr lang="en-US" altLang="en-GB"/>
+          </a:p>
+        </p:txBody>
+      </p:sp>
+    </p:spTree>
+  </p:cSld>
+  <p:clrMapOvr>
+    <a:masterClrMapping/>
+  </p:clrMapOvr>
+</p:sld>
+</file>
+
+<file path=ppt/slides/slide45.xml><?xml version="1.0" encoding="utf-8"?>
+<p:sld xmlns:a="http://schemas.openxmlformats.org/drawingml/2006/main" xmlns:r="http://schemas.openxmlformats.org/officeDocument/2006/relationships" xmlns:p="http://schemas.openxmlformats.org/presentationml/2006/main">
+  <p:cSld>
+    <p:spTree>
+      <p:nvGrpSpPr>
+        <p:cNvPr id="1" name=""/>
+        <p:cNvGrpSpPr/>
+        <p:nvPr/>
+      </p:nvGrpSpPr>
+      <p:grpSpPr/>
+      <p:sp>
+        <p:nvSpPr>
+          <p:cNvPr id="3" name="Content Placeholder 2"/>
+          <p:cNvSpPr>
+            <a:spLocks noGrp="1"/>
+          </p:cNvSpPr>
+          <p:nvPr>
+            <p:ph idx="1"/>
+          </p:nvPr>
+        </p:nvSpPr>
+        <p:spPr>
+          <a:xfrm>
+            <a:off x="838200" y="301625"/>
+            <a:ext cx="10811510" cy="5875655"/>
+          </a:xfrm>
+        </p:spPr>
+        <p:txBody>
+          <a:bodyPr>
+            <a:noAutofit/>
+          </a:bodyPr>
+          <a:p>
+            <a:pPr marL="0" indent="0">
+              <a:buNone/>
+            </a:pPr>
+            <a:r>
+              <a:rPr lang="en-US" altLang="en-GB" sz="1400"/>
+              <a:t>{</a:t>
+            </a:r>
+            <a:endParaRPr lang="en-US" altLang="en-GB" sz="1400"/>
+          </a:p>
+          <a:p>
+            <a:pPr marL="0" indent="0">
+              <a:buNone/>
+            </a:pPr>
+            <a:r>
+              <a:rPr lang="en-US" altLang="en-GB" sz="1400"/>
+              <a:t>  "Categories": [</a:t>
+            </a:r>
+            <a:endParaRPr lang="en-US" altLang="en-GB" sz="1400"/>
+          </a:p>
+          <a:p>
+            <a:pPr marL="0" indent="0">
+              <a:buNone/>
+            </a:pPr>
+            <a:r>
+              <a:rPr lang="en-US" altLang="en-GB" sz="1400"/>
+              <a:t>    { "CategoryID": 1, "CategoryName": "Beverages", "Description": "Soft drinks, coffees, teas, beers, and ales", "Picture": "image_url_or_base64" },</a:t>
+            </a:r>
+            <a:endParaRPr lang="en-US" altLang="en-GB" sz="1400"/>
+          </a:p>
+          <a:p>
+            <a:pPr marL="0" indent="0">
+              <a:buNone/>
+            </a:pPr>
+            <a:r>
+              <a:rPr lang="en-US" altLang="en-GB" sz="1400"/>
+              <a:t>    { "CategoryID": 2, "CategoryName": "Condiments", "Description": "Sweet and savory sauces, relishes, spreads, and seasonings", "Picture": "image_url_or_base64" }</a:t>
+            </a:r>
+            <a:endParaRPr lang="en-US" altLang="en-GB" sz="1400"/>
+          </a:p>
+          <a:p>
+            <a:pPr marL="0" indent="0">
+              <a:buNone/>
+            </a:pPr>
+            <a:r>
+              <a:rPr lang="en-US" altLang="en-GB" sz="1400"/>
+              <a:t>  ],</a:t>
+            </a:r>
+            <a:endParaRPr lang="en-US" altLang="en-GB" sz="1400"/>
+          </a:p>
+          <a:p>
+            <a:pPr marL="0" indent="0">
+              <a:buNone/>
+            </a:pPr>
+            <a:r>
+              <a:rPr lang="en-US" altLang="en-GB" sz="1400"/>
+              <a:t>  "Suppliers": [</a:t>
+            </a:r>
+            <a:endParaRPr lang="en-US" altLang="en-GB" sz="1400"/>
+          </a:p>
+          <a:p>
+            <a:pPr marL="0" indent="0">
+              <a:buNone/>
+            </a:pPr>
+            <a:r>
+              <a:rPr lang="en-US" altLang="en-GB" sz="1400"/>
+              <a:t>    { "SupplierID": 1, "CompanyName": "Exotic Liquids", "ContactName": "Charlotte Cooper", "ContactTitle": "Purchasing Manager", "Address": "49 Gilbert St.", "City": "London", "Region": null, "PostalCode": "EC1 4SD", "Country": "UK", "Phone": "(171) 555-2222", "Fax": null, "HomePage": null },</a:t>
+            </a:r>
+            <a:endParaRPr lang="en-US" altLang="en-GB" sz="1400"/>
+          </a:p>
+          <a:p>
+            <a:pPr marL="0" indent="0">
+              <a:buNone/>
+            </a:pPr>
+            <a:r>
+              <a:rPr lang="en-US" altLang="en-GB" sz="1400"/>
+              <a:t>    { "SupplierID": 2, "CompanyName": "New Orleans Cajun Delights", "ContactName": "Shelley Burke", "ContactTitle": "Order Administrator", "Address": "P.O. Box 78934", "City": "New Orleans", "Region": "LA", "PostalCode": "70117", "Country": "USA", "Phone": "(100) 555-4822", "Fax": null, "HomePage": null }</a:t>
+            </a:r>
+            <a:endParaRPr lang="en-US" altLang="en-GB" sz="1400"/>
+          </a:p>
+          <a:p>
+            <a:pPr marL="0" indent="0">
+              <a:buNone/>
+            </a:pPr>
+            <a:r>
+              <a:rPr lang="en-US" altLang="en-GB" sz="1400"/>
+              <a:t>  ],</a:t>
+            </a:r>
+            <a:endParaRPr lang="en-US" altLang="en-GB" sz="1400"/>
+          </a:p>
+          <a:p>
+            <a:pPr marL="0" indent="0">
+              <a:buNone/>
+            </a:pPr>
+            <a:r>
+              <a:rPr lang="en-US" altLang="en-GB" sz="1400"/>
+              <a:t>  "Products": [</a:t>
+            </a:r>
+            <a:endParaRPr lang="en-US" altLang="en-GB" sz="1400"/>
+          </a:p>
+          <a:p>
+            <a:pPr marL="0" indent="0">
+              <a:buNone/>
+            </a:pPr>
+            <a:r>
+              <a:rPr lang="en-US" altLang="en-GB" sz="1400"/>
+              <a:t>    { "ProductID": 1, "ProductName": "Chai", "CategoryID": 1, "SupplierID": 1, "QuantityPerUnit": "10 boxes x 20 bags", "UnitPrice": 18.00, "UnitsInStock": 39, "UnitsOnOrder": 0, "ReorderLevel": 10, "Discontinued": false },</a:t>
+            </a:r>
+            <a:endParaRPr lang="en-US" altLang="en-GB" sz="1400"/>
+          </a:p>
+          <a:p>
+            <a:pPr marL="0" indent="0">
+              <a:buNone/>
+            </a:pPr>
+            <a:r>
+              <a:rPr lang="en-US" altLang="en-GB" sz="1400"/>
+              <a:t>    { "ProductID": 2, "ProductName": "Chang", "CategoryID": 1, "SupplierID": 1, "QuantityPerUnit": "24 - 12 oz bottles", "UnitPrice": 19.00, "UnitsInStock": 17, "UnitsOnOrder": 40, "ReorderLevel": 25, "Discontinued": false }</a:t>
+            </a:r>
+            <a:endParaRPr lang="en-US" altLang="en-GB" sz="1400"/>
+          </a:p>
+          <a:p>
+            <a:pPr marL="0" indent="0">
+              <a:buNone/>
+            </a:pPr>
+            <a:r>
+              <a:rPr lang="en-US" altLang="en-GB" sz="1400"/>
+              <a:t>  ]</a:t>
+            </a:r>
+            <a:endParaRPr lang="en-US" altLang="en-GB" sz="1400"/>
+          </a:p>
+          <a:p>
+            <a:pPr marL="0" indent="0">
+              <a:buNone/>
+            </a:pPr>
+            <a:r>
+              <a:rPr lang="en-US" altLang="en-GB" sz="1400"/>
+              <a:t>}</a:t>
+            </a:r>
+            <a:endParaRPr lang="en-US" altLang="en-GB" sz="1400"/>
+          </a:p>
+          <a:p>
+            <a:pPr marL="0" indent="0">
+              <a:buNone/>
+            </a:pPr>
+            <a:endParaRPr lang="en-US" altLang="en-GB" sz="1400"/>
+          </a:p>
+        </p:txBody>
+      </p:sp>
+    </p:spTree>
+  </p:cSld>
+  <p:clrMapOvr>
+    <a:masterClrMapping/>
+  </p:clrMapOvr>
+</p:sld>
+</file>
+
+<file path=ppt/slides/slide46.xml><?xml version="1.0" encoding="utf-8"?>
+<p:sld xmlns:a="http://schemas.openxmlformats.org/drawingml/2006/main" xmlns:r="http://schemas.openxmlformats.org/officeDocument/2006/relationships" xmlns:p="http://schemas.openxmlformats.org/presentationml/2006/main">
+  <p:cSld>
+    <p:spTree>
+      <p:nvGrpSpPr>
+        <p:cNvPr id="1" name=""/>
+        <p:cNvGrpSpPr/>
+        <p:nvPr/>
+      </p:nvGrpSpPr>
+      <p:grpSpPr/>
+      <p:sp>
+        <p:nvSpPr>
+          <p:cNvPr id="2" name="Title 1"/>
+          <p:cNvSpPr>
+            <a:spLocks noGrp="1"/>
+          </p:cNvSpPr>
+          <p:nvPr>
+            <p:ph type="title"/>
+          </p:nvPr>
+        </p:nvSpPr>
+        <p:spPr/>
+        <p:txBody>
+          <a:bodyPr>
+            <a:normAutofit fontScale="90000"/>
+          </a:bodyPr>
+          <a:p>
+            <a:r>
+              <a:rPr lang="en-US" altLang="en-GB"/>
+              <a:t>from relation data model to graph data model</a:t>
+            </a:r>
+            <a:br>
+              <a:rPr lang="en-US" altLang="en-GB"/>
+            </a:br>
+            <a:r>
+              <a:rPr lang="en-US" altLang="en-GB"/>
+              <a:t>Northwind data  </a:t>
+            </a:r>
+            <a:endParaRPr lang="en-US" altLang="en-GB"/>
+          </a:p>
+        </p:txBody>
+      </p:sp>
+      <p:pic>
+        <p:nvPicPr>
+          <p:cNvPr id="4" name="Picture 3"/>
+          <p:cNvPicPr/>
+          <p:nvPr/>
+        </p:nvPicPr>
+        <p:blipFill>
+          <a:blip r:embed="rId1"/>
+          <a:stretch>
+            <a:fillRect/>
+          </a:stretch>
+        </p:blipFill>
+        <p:spPr>
+          <a:xfrm>
+            <a:off x="318770" y="2019300"/>
+            <a:ext cx="4747260" cy="4174490"/>
+          </a:xfrm>
+          <a:prstGeom prst="rect">
+            <a:avLst/>
+          </a:prstGeom>
+        </p:spPr>
+      </p:pic>
+      <p:pic>
+        <p:nvPicPr>
+          <p:cNvPr id="5" name="Picture 4"/>
+          <p:cNvPicPr/>
+          <p:nvPr/>
+        </p:nvPicPr>
+        <p:blipFill>
+          <a:blip r:embed="rId2"/>
+          <a:stretch>
+            <a:fillRect/>
+          </a:stretch>
+        </p:blipFill>
+        <p:spPr>
+          <a:xfrm>
+            <a:off x="5979795" y="2019300"/>
+            <a:ext cx="4779010" cy="4173855"/>
+          </a:xfrm>
+          <a:prstGeom prst="rect">
+            <a:avLst/>
+          </a:prstGeom>
+        </p:spPr>
+      </p:pic>
+    </p:spTree>
+  </p:cSld>
+  <p:clrMapOvr>
+    <a:masterClrMapping/>
+  </p:clrMapOvr>
+</p:sld>
+</file>
+
+<file path=ppt/slides/slide47.xml><?xml version="1.0" encoding="utf-8"?>
+<p:sld xmlns:a="http://schemas.openxmlformats.org/drawingml/2006/main" xmlns:r="http://schemas.openxmlformats.org/officeDocument/2006/relationships" xmlns:p="http://schemas.openxmlformats.org/presentationml/2006/main">
+  <p:cSld>
+    <p:spTree>
+      <p:nvGrpSpPr>
+        <p:cNvPr id="1" name=""/>
+        <p:cNvGrpSpPr/>
+        <p:nvPr/>
+      </p:nvGrpSpPr>
+      <p:grpSpPr/>
+      <p:sp>
+        <p:nvSpPr>
+          <p:cNvPr id="2" name="Title 1"/>
+          <p:cNvSpPr>
+            <a:spLocks noGrp="1"/>
+          </p:cNvSpPr>
+          <p:nvPr>
+            <p:ph type="title"/>
+          </p:nvPr>
+        </p:nvSpPr>
+        <p:spPr/>
+        <p:txBody>
           <a:bodyPr/>
           <a:p>
             <a:r>
@@ -7444,105 +8673,6 @@
           </a:ln>
         </p:spPr>
       </p:pic>
-    </p:spTree>
-  </p:cSld>
-  <p:clrMapOvr>
-    <a:masterClrMapping/>
-  </p:clrMapOvr>
-</p:sld>
-</file>
-
-<file path=ppt/slides/slide4.xml><?xml version="1.0" encoding="utf-8"?>
-<p:sld xmlns:a="http://schemas.openxmlformats.org/drawingml/2006/main" xmlns:r="http://schemas.openxmlformats.org/officeDocument/2006/relationships" xmlns:p="http://schemas.openxmlformats.org/presentationml/2006/main">
-  <p:cSld>
-    <p:spTree>
-      <p:nvGrpSpPr>
-        <p:cNvPr id="1" name=""/>
-        <p:cNvGrpSpPr/>
-        <p:nvPr/>
-      </p:nvGrpSpPr>
-      <p:grpSpPr/>
-      <p:sp>
-        <p:nvSpPr>
-          <p:cNvPr id="2" name="Title 1"/>
-          <p:cNvSpPr>
-            <a:spLocks noGrp="1"/>
-          </p:cNvSpPr>
-          <p:nvPr>
-            <p:ph type="title"/>
-          </p:nvPr>
-        </p:nvSpPr>
-        <p:spPr/>
-        <p:txBody>
-          <a:bodyPr/>
-          <a:p>
-            <a:r>
-              <a:rPr lang="en-US">
-                <a:sym typeface="+mn-ea"/>
-              </a:rPr>
-              <a:t>Importance of Data Models</a:t>
-            </a:r>
-            <a:endParaRPr lang="en-US"/>
-          </a:p>
-        </p:txBody>
-      </p:sp>
-      <p:sp>
-        <p:nvSpPr>
-          <p:cNvPr id="3" name="Content Placeholder 2"/>
-          <p:cNvSpPr>
-            <a:spLocks noGrp="1"/>
-          </p:cNvSpPr>
-          <p:nvPr>
-            <p:ph idx="1"/>
-          </p:nvPr>
-        </p:nvSpPr>
-        <p:spPr>
-          <a:xfrm>
-            <a:off x="838200" y="1825625"/>
-            <a:ext cx="10929620" cy="4351655"/>
-          </a:xfrm>
-        </p:spPr>
-        <p:txBody>
-          <a:bodyPr>
-            <a:normAutofit lnSpcReduction="10000"/>
-          </a:bodyPr>
-          <a:p>
-            <a:r>
-              <a:rPr lang="en-US"/>
-              <a:t>Data Organization: Helps in organizing and structuring data efficiently.</a:t>
-            </a:r>
-            <a:endParaRPr lang="en-US"/>
-          </a:p>
-          <a:p>
-            <a:r>
-              <a:rPr lang="en-US"/>
-              <a:t>Data Integrity: Ensures the accuracy and consistency of data through constraints and rules.</a:t>
-            </a:r>
-            <a:endParaRPr lang="en-US"/>
-          </a:p>
-          <a:p>
-            <a:r>
-              <a:rPr lang="en-US"/>
-              <a:t>Data Access: Facilitates easy and efficient access to data for queries and transactions.</a:t>
-            </a:r>
-            <a:endParaRPr lang="en-US"/>
-          </a:p>
-          <a:p>
-            <a:r>
-              <a:rPr lang="en-US"/>
-              <a:t>Scalability: Allows databases to scale and handle large volumes of data.</a:t>
-            </a:r>
-            <a:endParaRPr lang="en-US"/>
-          </a:p>
-          <a:p>
-            <a:r>
-              <a:rPr lang="en-US"/>
-              <a:t>Maintenance: Simplifies data management and maintenance over time.</a:t>
-            </a:r>
-            <a:endParaRPr lang="en-US"/>
-          </a:p>
-        </p:txBody>
-      </p:sp>
     </p:spTree>
   </p:cSld>
   <p:clrMapOvr>
